--- a/notes/two_day/day_2.pptx
+++ b/notes/two_day/day_2.pptx
@@ -4,6 +4,9 @@
   <p:sldMasterIdLst>
     <p:sldMasterId id="2147483660" r:id="rId1"/>
   </p:sldMasterIdLst>
+  <p:notesMasterIdLst>
+    <p:notesMasterId r:id="rId23"/>
+  </p:notesMasterIdLst>
   <p:sldIdLst>
     <p:sldId id="256" r:id="rId2"/>
     <p:sldId id="257" r:id="rId3"/>
@@ -20,7 +23,12 @@
     <p:sldId id="266" r:id="rId14"/>
     <p:sldId id="267" r:id="rId15"/>
     <p:sldId id="268" r:id="rId16"/>
-    <p:sldId id="269" r:id="rId17"/>
+    <p:sldId id="273" r:id="rId17"/>
+    <p:sldId id="274" r:id="rId18"/>
+    <p:sldId id="275" r:id="rId19"/>
+    <p:sldId id="276" r:id="rId20"/>
+    <p:sldId id="277" r:id="rId21"/>
+    <p:sldId id="269" r:id="rId22"/>
   </p:sldIdLst>
   <p:sldSz cx="9144000" cy="6858000" type="screen4x3"/>
   <p:notesSz cx="6858000" cy="9144000"/>
@@ -120,6 +128,622 @@
     </a:lvl9pPr>
   </p:defaultTextStyle>
 </p:presentation>
+</file>
+
+<file path=ppt/notesMasters/notesMaster1.xml><?xml version="1.0" encoding="utf-8"?>
+<p:notesMaster xmlns:a="http://schemas.openxmlformats.org/drawingml/2006/main" xmlns:r="http://schemas.openxmlformats.org/officeDocument/2006/relationships" xmlns:p="http://schemas.openxmlformats.org/presentationml/2006/main">
+  <p:cSld>
+    <p:bg>
+      <p:bgRef idx="1001">
+        <a:schemeClr val="bg1"/>
+      </p:bgRef>
+    </p:bg>
+    <p:spTree>
+      <p:nvGrpSpPr>
+        <p:cNvPr id="1" name=""/>
+        <p:cNvGrpSpPr/>
+        <p:nvPr/>
+      </p:nvGrpSpPr>
+      <p:grpSpPr>
+        <a:xfrm>
+          <a:off x="0" y="0"/>
+          <a:ext cx="0" cy="0"/>
+          <a:chOff x="0" y="0"/>
+          <a:chExt cx="0" cy="0"/>
+        </a:xfrm>
+      </p:grpSpPr>
+      <p:sp>
+        <p:nvSpPr>
+          <p:cNvPr id="2" name="Header Placeholder 1"/>
+          <p:cNvSpPr>
+            <a:spLocks noGrp="1"/>
+          </p:cNvSpPr>
+          <p:nvPr>
+            <p:ph type="hdr" sz="quarter"/>
+          </p:nvPr>
+        </p:nvSpPr>
+        <p:spPr>
+          <a:xfrm>
+            <a:off x="0" y="0"/>
+            <a:ext cx="2971800" cy="458788"/>
+          </a:xfrm>
+          <a:prstGeom prst="rect">
+            <a:avLst/>
+          </a:prstGeom>
+        </p:spPr>
+        <p:txBody>
+          <a:bodyPr vert="horz" lIns="91440" tIns="45720" rIns="91440" bIns="45720" rtlCol="0"/>
+          <a:lstStyle>
+            <a:lvl1pPr algn="l">
+              <a:defRPr sz="1200"/>
+            </a:lvl1pPr>
+          </a:lstStyle>
+          <a:p>
+            <a:endParaRPr lang="en-US"/>
+          </a:p>
+        </p:txBody>
+      </p:sp>
+      <p:sp>
+        <p:nvSpPr>
+          <p:cNvPr id="3" name="Date Placeholder 2"/>
+          <p:cNvSpPr>
+            <a:spLocks noGrp="1"/>
+          </p:cNvSpPr>
+          <p:nvPr>
+            <p:ph type="dt" idx="1"/>
+          </p:nvPr>
+        </p:nvSpPr>
+        <p:spPr>
+          <a:xfrm>
+            <a:off x="3884613" y="0"/>
+            <a:ext cx="2971800" cy="458788"/>
+          </a:xfrm>
+          <a:prstGeom prst="rect">
+            <a:avLst/>
+          </a:prstGeom>
+        </p:spPr>
+        <p:txBody>
+          <a:bodyPr vert="horz" lIns="91440" tIns="45720" rIns="91440" bIns="45720" rtlCol="0"/>
+          <a:lstStyle>
+            <a:lvl1pPr algn="r">
+              <a:defRPr sz="1200"/>
+            </a:lvl1pPr>
+          </a:lstStyle>
+          <a:p>
+            <a:fld id="{A880108F-67C7-FE4D-B46E-3F6CFA62190F}" type="datetimeFigureOut">
+              <a:rPr lang="en-US" smtClean="0"/>
+              <a:t>10/29/25</a:t>
+            </a:fld>
+            <a:endParaRPr lang="en-US"/>
+          </a:p>
+        </p:txBody>
+      </p:sp>
+      <p:sp>
+        <p:nvSpPr>
+          <p:cNvPr id="4" name="Slide Image Placeholder 3"/>
+          <p:cNvSpPr>
+            <a:spLocks noGrp="1" noRot="1" noChangeAspect="1"/>
+          </p:cNvSpPr>
+          <p:nvPr>
+            <p:ph type="sldImg" idx="2"/>
+          </p:nvPr>
+        </p:nvSpPr>
+        <p:spPr>
+          <a:xfrm>
+            <a:off x="1371600" y="1143000"/>
+            <a:ext cx="4114800" cy="3086100"/>
+          </a:xfrm>
+          <a:prstGeom prst="rect">
+            <a:avLst/>
+          </a:prstGeom>
+          <a:noFill/>
+          <a:ln w="12700">
+            <a:solidFill>
+              <a:prstClr val="black"/>
+            </a:solidFill>
+          </a:ln>
+        </p:spPr>
+        <p:txBody>
+          <a:bodyPr vert="horz" lIns="91440" tIns="45720" rIns="91440" bIns="45720" rtlCol="0" anchor="ctr"/>
+          <a:lstStyle/>
+          <a:p>
+            <a:endParaRPr lang="en-US"/>
+          </a:p>
+        </p:txBody>
+      </p:sp>
+      <p:sp>
+        <p:nvSpPr>
+          <p:cNvPr id="5" name="Notes Placeholder 4"/>
+          <p:cNvSpPr>
+            <a:spLocks noGrp="1"/>
+          </p:cNvSpPr>
+          <p:nvPr>
+            <p:ph type="body" sz="quarter" idx="3"/>
+          </p:nvPr>
+        </p:nvSpPr>
+        <p:spPr>
+          <a:xfrm>
+            <a:off x="685800" y="4400550"/>
+            <a:ext cx="5486400" cy="3600450"/>
+          </a:xfrm>
+          <a:prstGeom prst="rect">
+            <a:avLst/>
+          </a:prstGeom>
+        </p:spPr>
+        <p:txBody>
+          <a:bodyPr vert="horz" lIns="91440" tIns="45720" rIns="91440" bIns="45720" rtlCol="0"/>
+          <a:lstStyle/>
+          <a:p>
+            <a:pPr lvl="0"/>
+            <a:r>
+              <a:rPr lang="en-US"/>
+              <a:t>Click to edit Master text styles</a:t>
+            </a:r>
+          </a:p>
+          <a:p>
+            <a:pPr lvl="1"/>
+            <a:r>
+              <a:rPr lang="en-US"/>
+              <a:t>Second level</a:t>
+            </a:r>
+          </a:p>
+          <a:p>
+            <a:pPr lvl="2"/>
+            <a:r>
+              <a:rPr lang="en-US"/>
+              <a:t>Third level</a:t>
+            </a:r>
+          </a:p>
+          <a:p>
+            <a:pPr lvl="3"/>
+            <a:r>
+              <a:rPr lang="en-US"/>
+              <a:t>Fourth level</a:t>
+            </a:r>
+          </a:p>
+          <a:p>
+            <a:pPr lvl="4"/>
+            <a:r>
+              <a:rPr lang="en-US"/>
+              <a:t>Fifth level</a:t>
+            </a:r>
+          </a:p>
+        </p:txBody>
+      </p:sp>
+      <p:sp>
+        <p:nvSpPr>
+          <p:cNvPr id="6" name="Footer Placeholder 5"/>
+          <p:cNvSpPr>
+            <a:spLocks noGrp="1"/>
+          </p:cNvSpPr>
+          <p:nvPr>
+            <p:ph type="ftr" sz="quarter" idx="4"/>
+          </p:nvPr>
+        </p:nvSpPr>
+        <p:spPr>
+          <a:xfrm>
+            <a:off x="0" y="8685213"/>
+            <a:ext cx="2971800" cy="458787"/>
+          </a:xfrm>
+          <a:prstGeom prst="rect">
+            <a:avLst/>
+          </a:prstGeom>
+        </p:spPr>
+        <p:txBody>
+          <a:bodyPr vert="horz" lIns="91440" tIns="45720" rIns="91440" bIns="45720" rtlCol="0" anchor="b"/>
+          <a:lstStyle>
+            <a:lvl1pPr algn="l">
+              <a:defRPr sz="1200"/>
+            </a:lvl1pPr>
+          </a:lstStyle>
+          <a:p>
+            <a:endParaRPr lang="en-US"/>
+          </a:p>
+        </p:txBody>
+      </p:sp>
+      <p:sp>
+        <p:nvSpPr>
+          <p:cNvPr id="7" name="Slide Number Placeholder 6"/>
+          <p:cNvSpPr>
+            <a:spLocks noGrp="1"/>
+          </p:cNvSpPr>
+          <p:nvPr>
+            <p:ph type="sldNum" sz="quarter" idx="5"/>
+          </p:nvPr>
+        </p:nvSpPr>
+        <p:spPr>
+          <a:xfrm>
+            <a:off x="3884613" y="8685213"/>
+            <a:ext cx="2971800" cy="458787"/>
+          </a:xfrm>
+          <a:prstGeom prst="rect">
+            <a:avLst/>
+          </a:prstGeom>
+        </p:spPr>
+        <p:txBody>
+          <a:bodyPr vert="horz" lIns="91440" tIns="45720" rIns="91440" bIns="45720" rtlCol="0" anchor="b"/>
+          <a:lstStyle>
+            <a:lvl1pPr algn="r">
+              <a:defRPr sz="1200"/>
+            </a:lvl1pPr>
+          </a:lstStyle>
+          <a:p>
+            <a:fld id="{634FCEED-B2A3-B543-AD01-2A565C35AE9A}" type="slidenum">
+              <a:rPr lang="en-US" smtClean="0"/>
+              <a:t>‹#›</a:t>
+            </a:fld>
+            <a:endParaRPr lang="en-US"/>
+          </a:p>
+        </p:txBody>
+      </p:sp>
+    </p:spTree>
+    <p:extLst>
+      <p:ext uri="{BB962C8B-B14F-4D97-AF65-F5344CB8AC3E}">
+        <p14:creationId xmlns:p14="http://schemas.microsoft.com/office/powerpoint/2010/main" val="3434560800"/>
+      </p:ext>
+    </p:extLst>
+  </p:cSld>
+  <p:clrMap bg1="lt1" tx1="dk1" bg2="lt2" tx2="dk2" accent1="accent1" accent2="accent2" accent3="accent3" accent4="accent4" accent5="accent5" accent6="accent6" hlink="hlink" folHlink="folHlink"/>
+  <p:notesStyle>
+    <a:lvl1pPr marL="0" algn="l" defTabSz="914400" rtl="0" eaLnBrk="1" latinLnBrk="0" hangingPunct="1">
+      <a:defRPr sz="1200" kern="1200">
+        <a:solidFill>
+          <a:schemeClr val="tx1"/>
+        </a:solidFill>
+        <a:latin typeface="+mn-lt"/>
+        <a:ea typeface="+mn-ea"/>
+        <a:cs typeface="+mn-cs"/>
+      </a:defRPr>
+    </a:lvl1pPr>
+    <a:lvl2pPr marL="457200" algn="l" defTabSz="914400" rtl="0" eaLnBrk="1" latinLnBrk="0" hangingPunct="1">
+      <a:defRPr sz="1200" kern="1200">
+        <a:solidFill>
+          <a:schemeClr val="tx1"/>
+        </a:solidFill>
+        <a:latin typeface="+mn-lt"/>
+        <a:ea typeface="+mn-ea"/>
+        <a:cs typeface="+mn-cs"/>
+      </a:defRPr>
+    </a:lvl2pPr>
+    <a:lvl3pPr marL="914400" algn="l" defTabSz="914400" rtl="0" eaLnBrk="1" latinLnBrk="0" hangingPunct="1">
+      <a:defRPr sz="1200" kern="1200">
+        <a:solidFill>
+          <a:schemeClr val="tx1"/>
+        </a:solidFill>
+        <a:latin typeface="+mn-lt"/>
+        <a:ea typeface="+mn-ea"/>
+        <a:cs typeface="+mn-cs"/>
+      </a:defRPr>
+    </a:lvl3pPr>
+    <a:lvl4pPr marL="1371600" algn="l" defTabSz="914400" rtl="0" eaLnBrk="1" latinLnBrk="0" hangingPunct="1">
+      <a:defRPr sz="1200" kern="1200">
+        <a:solidFill>
+          <a:schemeClr val="tx1"/>
+        </a:solidFill>
+        <a:latin typeface="+mn-lt"/>
+        <a:ea typeface="+mn-ea"/>
+        <a:cs typeface="+mn-cs"/>
+      </a:defRPr>
+    </a:lvl4pPr>
+    <a:lvl5pPr marL="1828800" algn="l" defTabSz="914400" rtl="0" eaLnBrk="1" latinLnBrk="0" hangingPunct="1">
+      <a:defRPr sz="1200" kern="1200">
+        <a:solidFill>
+          <a:schemeClr val="tx1"/>
+        </a:solidFill>
+        <a:latin typeface="+mn-lt"/>
+        <a:ea typeface="+mn-ea"/>
+        <a:cs typeface="+mn-cs"/>
+      </a:defRPr>
+    </a:lvl5pPr>
+    <a:lvl6pPr marL="2286000" algn="l" defTabSz="914400" rtl="0" eaLnBrk="1" latinLnBrk="0" hangingPunct="1">
+      <a:defRPr sz="1200" kern="1200">
+        <a:solidFill>
+          <a:schemeClr val="tx1"/>
+        </a:solidFill>
+        <a:latin typeface="+mn-lt"/>
+        <a:ea typeface="+mn-ea"/>
+        <a:cs typeface="+mn-cs"/>
+      </a:defRPr>
+    </a:lvl6pPr>
+    <a:lvl7pPr marL="2743200" algn="l" defTabSz="914400" rtl="0" eaLnBrk="1" latinLnBrk="0" hangingPunct="1">
+      <a:defRPr sz="1200" kern="1200">
+        <a:solidFill>
+          <a:schemeClr val="tx1"/>
+        </a:solidFill>
+        <a:latin typeface="+mn-lt"/>
+        <a:ea typeface="+mn-ea"/>
+        <a:cs typeface="+mn-cs"/>
+      </a:defRPr>
+    </a:lvl7pPr>
+    <a:lvl8pPr marL="3200400" algn="l" defTabSz="914400" rtl="0" eaLnBrk="1" latinLnBrk="0" hangingPunct="1">
+      <a:defRPr sz="1200" kern="1200">
+        <a:solidFill>
+          <a:schemeClr val="tx1"/>
+        </a:solidFill>
+        <a:latin typeface="+mn-lt"/>
+        <a:ea typeface="+mn-ea"/>
+        <a:cs typeface="+mn-cs"/>
+      </a:defRPr>
+    </a:lvl8pPr>
+    <a:lvl9pPr marL="3657600" algn="l" defTabSz="914400" rtl="0" eaLnBrk="1" latinLnBrk="0" hangingPunct="1">
+      <a:defRPr sz="1200" kern="1200">
+        <a:solidFill>
+          <a:schemeClr val="tx1"/>
+        </a:solidFill>
+        <a:latin typeface="+mn-lt"/>
+        <a:ea typeface="+mn-ea"/>
+        <a:cs typeface="+mn-cs"/>
+      </a:defRPr>
+    </a:lvl9pPr>
+  </p:notesStyle>
+</p:notesMaster>
+</file>
+
+<file path=ppt/notesSlides/notesSlide1.xml><?xml version="1.0" encoding="utf-8"?>
+<p:notes xmlns:a="http://schemas.openxmlformats.org/drawingml/2006/main" xmlns:r="http://schemas.openxmlformats.org/officeDocument/2006/relationships" xmlns:p="http://schemas.openxmlformats.org/presentationml/2006/main">
+  <p:cSld>
+    <p:spTree>
+      <p:nvGrpSpPr>
+        <p:cNvPr id="1" name=""/>
+        <p:cNvGrpSpPr/>
+        <p:nvPr/>
+      </p:nvGrpSpPr>
+      <p:grpSpPr>
+        <a:xfrm>
+          <a:off x="0" y="0"/>
+          <a:ext cx="0" cy="0"/>
+          <a:chOff x="0" y="0"/>
+          <a:chExt cx="0" cy="0"/>
+        </a:xfrm>
+      </p:grpSpPr>
+      <p:sp>
+        <p:nvSpPr>
+          <p:cNvPr id="2" name="Slide Image Placeholder 1"/>
+          <p:cNvSpPr>
+            <a:spLocks noGrp="1" noRot="1" noChangeAspect="1"/>
+          </p:cNvSpPr>
+          <p:nvPr>
+            <p:ph type="sldImg"/>
+          </p:nvPr>
+        </p:nvSpPr>
+        <p:spPr>
+          <a:xfrm>
+            <a:off x="1371600" y="1143000"/>
+            <a:ext cx="4114800" cy="3086100"/>
+          </a:xfrm>
+        </p:spPr>
+      </p:sp>
+      <p:sp>
+        <p:nvSpPr>
+          <p:cNvPr id="3" name="Notes Placeholder 2"/>
+          <p:cNvSpPr>
+            <a:spLocks noGrp="1"/>
+          </p:cNvSpPr>
+          <p:nvPr>
+            <p:ph type="body" idx="1"/>
+          </p:nvPr>
+        </p:nvSpPr>
+        <p:spPr/>
+        <p:txBody>
+          <a:bodyPr/>
+          <a:lstStyle/>
+          <a:p>
+            <a:endParaRPr lang="en-US"/>
+          </a:p>
+        </p:txBody>
+      </p:sp>
+      <p:sp>
+        <p:nvSpPr>
+          <p:cNvPr id="4" name="Slide Number Placeholder 3"/>
+          <p:cNvSpPr>
+            <a:spLocks noGrp="1"/>
+          </p:cNvSpPr>
+          <p:nvPr>
+            <p:ph type="sldNum" sz="quarter" idx="5"/>
+          </p:nvPr>
+        </p:nvSpPr>
+        <p:spPr/>
+        <p:txBody>
+          <a:bodyPr/>
+          <a:lstStyle/>
+          <a:p>
+            <a:fld id="{5E69C00A-86F1-BB4D-B9C1-4F399E63CB08}" type="slidenum">
+              <a:rPr lang="en-US" smtClean="0"/>
+              <a:t>16</a:t>
+            </a:fld>
+            <a:endParaRPr lang="en-US"/>
+          </a:p>
+        </p:txBody>
+      </p:sp>
+    </p:spTree>
+    <p:extLst>
+      <p:ext uri="{BB962C8B-B14F-4D97-AF65-F5344CB8AC3E}">
+        <p14:creationId xmlns:p14="http://schemas.microsoft.com/office/powerpoint/2010/main" val="753407755"/>
+      </p:ext>
+    </p:extLst>
+  </p:cSld>
+  <p:clrMapOvr>
+    <a:masterClrMapping/>
+  </p:clrMapOvr>
+</p:notes>
+</file>
+
+<file path=ppt/notesSlides/notesSlide2.xml><?xml version="1.0" encoding="utf-8"?>
+<p:notes xmlns:a="http://schemas.openxmlformats.org/drawingml/2006/main" xmlns:r="http://schemas.openxmlformats.org/officeDocument/2006/relationships" xmlns:p="http://schemas.openxmlformats.org/presentationml/2006/main">
+  <p:cSld>
+    <p:spTree>
+      <p:nvGrpSpPr>
+        <p:cNvPr id="1" name=""/>
+        <p:cNvGrpSpPr/>
+        <p:nvPr/>
+      </p:nvGrpSpPr>
+      <p:grpSpPr>
+        <a:xfrm>
+          <a:off x="0" y="0"/>
+          <a:ext cx="0" cy="0"/>
+          <a:chOff x="0" y="0"/>
+          <a:chExt cx="0" cy="0"/>
+        </a:xfrm>
+      </p:grpSpPr>
+      <p:sp>
+        <p:nvSpPr>
+          <p:cNvPr id="2" name="Slide Image Placeholder 1"/>
+          <p:cNvSpPr>
+            <a:spLocks noGrp="1" noRot="1" noChangeAspect="1"/>
+          </p:cNvSpPr>
+          <p:nvPr>
+            <p:ph type="sldImg"/>
+          </p:nvPr>
+        </p:nvSpPr>
+        <p:spPr>
+          <a:xfrm>
+            <a:off x="1371600" y="1143000"/>
+            <a:ext cx="4114800" cy="3086100"/>
+          </a:xfrm>
+        </p:spPr>
+      </p:sp>
+      <p:sp>
+        <p:nvSpPr>
+          <p:cNvPr id="3" name="Notes Placeholder 2"/>
+          <p:cNvSpPr>
+            <a:spLocks noGrp="1"/>
+          </p:cNvSpPr>
+          <p:nvPr>
+            <p:ph type="body" idx="1"/>
+          </p:nvPr>
+        </p:nvSpPr>
+        <p:spPr/>
+        <p:txBody>
+          <a:bodyPr/>
+          <a:lstStyle/>
+          <a:p>
+            <a:endParaRPr lang="en-US"/>
+          </a:p>
+        </p:txBody>
+      </p:sp>
+      <p:sp>
+        <p:nvSpPr>
+          <p:cNvPr id="4" name="Slide Number Placeholder 3"/>
+          <p:cNvSpPr>
+            <a:spLocks noGrp="1"/>
+          </p:cNvSpPr>
+          <p:nvPr>
+            <p:ph type="sldNum" sz="quarter" idx="5"/>
+          </p:nvPr>
+        </p:nvSpPr>
+        <p:spPr/>
+        <p:txBody>
+          <a:bodyPr/>
+          <a:lstStyle/>
+          <a:p>
+            <a:fld id="{5E69C00A-86F1-BB4D-B9C1-4F399E63CB08}" type="slidenum">
+              <a:rPr lang="en-US" smtClean="0"/>
+              <a:t>17</a:t>
+            </a:fld>
+            <a:endParaRPr lang="en-US"/>
+          </a:p>
+        </p:txBody>
+      </p:sp>
+    </p:spTree>
+    <p:extLst>
+      <p:ext uri="{BB962C8B-B14F-4D97-AF65-F5344CB8AC3E}">
+        <p14:creationId xmlns:p14="http://schemas.microsoft.com/office/powerpoint/2010/main" val="278294380"/>
+      </p:ext>
+    </p:extLst>
+  </p:cSld>
+  <p:clrMapOvr>
+    <a:masterClrMapping/>
+  </p:clrMapOvr>
+</p:notes>
+</file>
+
+<file path=ppt/notesSlides/notesSlide3.xml><?xml version="1.0" encoding="utf-8"?>
+<p:notes xmlns:a="http://schemas.openxmlformats.org/drawingml/2006/main" xmlns:r="http://schemas.openxmlformats.org/officeDocument/2006/relationships" xmlns:p="http://schemas.openxmlformats.org/presentationml/2006/main">
+  <p:cSld>
+    <p:spTree>
+      <p:nvGrpSpPr>
+        <p:cNvPr id="1" name=""/>
+        <p:cNvGrpSpPr/>
+        <p:nvPr/>
+      </p:nvGrpSpPr>
+      <p:grpSpPr>
+        <a:xfrm>
+          <a:off x="0" y="0"/>
+          <a:ext cx="0" cy="0"/>
+          <a:chOff x="0" y="0"/>
+          <a:chExt cx="0" cy="0"/>
+        </a:xfrm>
+      </p:grpSpPr>
+      <p:sp>
+        <p:nvSpPr>
+          <p:cNvPr id="2" name="Slide Image Placeholder 1"/>
+          <p:cNvSpPr>
+            <a:spLocks noGrp="1" noRot="1" noChangeAspect="1"/>
+          </p:cNvSpPr>
+          <p:nvPr>
+            <p:ph type="sldImg"/>
+          </p:nvPr>
+        </p:nvSpPr>
+        <p:spPr>
+          <a:xfrm>
+            <a:off x="1371600" y="1143000"/>
+            <a:ext cx="4114800" cy="3086100"/>
+          </a:xfrm>
+        </p:spPr>
+      </p:sp>
+      <p:sp>
+        <p:nvSpPr>
+          <p:cNvPr id="3" name="Notes Placeholder 2"/>
+          <p:cNvSpPr>
+            <a:spLocks noGrp="1"/>
+          </p:cNvSpPr>
+          <p:nvPr>
+            <p:ph type="body" idx="1"/>
+          </p:nvPr>
+        </p:nvSpPr>
+        <p:spPr/>
+        <p:txBody>
+          <a:bodyPr/>
+          <a:lstStyle/>
+          <a:p>
+            <a:endParaRPr lang="en-US"/>
+          </a:p>
+        </p:txBody>
+      </p:sp>
+      <p:sp>
+        <p:nvSpPr>
+          <p:cNvPr id="4" name="Slide Number Placeholder 3"/>
+          <p:cNvSpPr>
+            <a:spLocks noGrp="1"/>
+          </p:cNvSpPr>
+          <p:nvPr>
+            <p:ph type="sldNum" sz="quarter" idx="5"/>
+          </p:nvPr>
+        </p:nvSpPr>
+        <p:spPr/>
+        <p:txBody>
+          <a:bodyPr/>
+          <a:lstStyle/>
+          <a:p>
+            <a:fld id="{5E69C00A-86F1-BB4D-B9C1-4F399E63CB08}" type="slidenum">
+              <a:rPr lang="en-US" smtClean="0"/>
+              <a:t>18</a:t>
+            </a:fld>
+            <a:endParaRPr lang="en-US"/>
+          </a:p>
+        </p:txBody>
+      </p:sp>
+    </p:spTree>
+    <p:extLst>
+      <p:ext uri="{BB962C8B-B14F-4D97-AF65-F5344CB8AC3E}">
+        <p14:creationId xmlns:p14="http://schemas.microsoft.com/office/powerpoint/2010/main" val="3772663854"/>
+      </p:ext>
+    </p:extLst>
+  </p:cSld>
+  <p:clrMapOvr>
+    <a:masterClrMapping/>
+  </p:clrMapOvr>
+</p:notes>
 </file>
 
 <file path=ppt/slideLayouts/slideLayout1.xml><?xml version="1.0" encoding="utf-8"?>
@@ -6476,6 +7100,512 @@
           <a:chExt cx="0" cy="0"/>
         </a:xfrm>
       </p:grpSpPr>
+      <p:sp>
+        <p:nvSpPr>
+          <p:cNvPr id="2" name="Rectangle 4">
+            <a:extLst>
+              <a:ext uri="{FF2B5EF4-FFF2-40B4-BE49-F238E27FC236}">
+                <a16:creationId xmlns:a16="http://schemas.microsoft.com/office/drawing/2014/main" id="{9BB8141D-497F-6770-BCC2-42380DA48FC4}"/>
+              </a:ext>
+            </a:extLst>
+          </p:cNvPr>
+          <p:cNvSpPr>
+            <a:spLocks noChangeArrowheads="1"/>
+          </p:cNvSpPr>
+          <p:nvPr/>
+        </p:nvSpPr>
+        <p:spPr bwMode="auto">
+          <a:xfrm>
+            <a:off x="293678" y="120135"/>
+            <a:ext cx="8607425" cy="1127125"/>
+          </a:xfrm>
+          <a:prstGeom prst="rect">
+            <a:avLst/>
+          </a:prstGeom>
+          <a:noFill/>
+          <a:ln w="9525">
+            <a:noFill/>
+            <a:round/>
+            <a:headEnd/>
+            <a:tailEnd/>
+          </a:ln>
+        </p:spPr>
+        <p:txBody>
+          <a:bodyPr lIns="0" tIns="0" rIns="0" bIns="0" anchor="ctr"/>
+          <a:lstStyle/>
+          <a:p>
+            <a:pPr algn="ctr">
+              <a:tabLst>
+                <a:tab pos="0" algn="l"/>
+                <a:tab pos="914400" algn="l"/>
+                <a:tab pos="1828800" algn="l"/>
+                <a:tab pos="2743200" algn="l"/>
+                <a:tab pos="3657600" algn="l"/>
+                <a:tab pos="4572000" algn="l"/>
+                <a:tab pos="5486400" algn="l"/>
+                <a:tab pos="6400800" algn="l"/>
+                <a:tab pos="7315200" algn="l"/>
+                <a:tab pos="8229600" algn="l"/>
+                <a:tab pos="9144000" algn="l"/>
+                <a:tab pos="10058400" algn="l"/>
+              </a:tabLst>
+            </a:pPr>
+            <a:r>
+              <a:rPr lang="en-GB" sz="4000" dirty="0">
+                <a:solidFill>
+                  <a:srgbClr val="000000"/>
+                </a:solidFill>
+                <a:latin typeface="Times New Roman" pitchFamily="18" charset="0"/>
+              </a:rPr>
+              <a:t>Hypothesis Testing</a:t>
+            </a:r>
+          </a:p>
+        </p:txBody>
+      </p:sp>
+      <p:sp>
+        <p:nvSpPr>
+          <p:cNvPr id="3" name="Rectangle 5">
+            <a:extLst>
+              <a:ext uri="{FF2B5EF4-FFF2-40B4-BE49-F238E27FC236}">
+                <a16:creationId xmlns:a16="http://schemas.microsoft.com/office/drawing/2014/main" id="{B9485D46-3EAE-4EAB-77A3-A496EA3BB65B}"/>
+              </a:ext>
+            </a:extLst>
+          </p:cNvPr>
+          <p:cNvSpPr>
+            <a:spLocks noChangeArrowheads="1"/>
+          </p:cNvSpPr>
+          <p:nvPr/>
+        </p:nvSpPr>
+        <p:spPr bwMode="auto">
+          <a:xfrm>
+            <a:off x="300047" y="1130782"/>
+            <a:ext cx="8451272" cy="2777739"/>
+          </a:xfrm>
+          <a:prstGeom prst="rect">
+            <a:avLst/>
+          </a:prstGeom>
+          <a:noFill/>
+          <a:ln w="9525">
+            <a:noFill/>
+            <a:round/>
+            <a:headEnd/>
+            <a:tailEnd/>
+          </a:ln>
+        </p:spPr>
+        <p:txBody>
+          <a:bodyPr lIns="0" tIns="0" rIns="0" bIns="0"/>
+          <a:lstStyle/>
+          <a:p>
+            <a:pPr marL="430213" indent="-323850">
+              <a:spcBef>
+                <a:spcPts val="800"/>
+              </a:spcBef>
+              <a:buFont typeface="Times New Roman" pitchFamily="18" charset="0"/>
+              <a:buChar char="•"/>
+              <a:tabLst>
+                <a:tab pos="430213" algn="l"/>
+                <a:tab pos="1344613" algn="l"/>
+                <a:tab pos="2259013" algn="l"/>
+                <a:tab pos="3173413" algn="l"/>
+                <a:tab pos="4087813" algn="l"/>
+                <a:tab pos="5002213" algn="l"/>
+                <a:tab pos="5916613" algn="l"/>
+                <a:tab pos="6831013" algn="l"/>
+                <a:tab pos="7745413" algn="l"/>
+                <a:tab pos="8659813" algn="l"/>
+                <a:tab pos="9574213" algn="l"/>
+                <a:tab pos="10488613" algn="l"/>
+              </a:tabLst>
+            </a:pPr>
+            <a:r>
+              <a:rPr lang="en-GB" sz="2400" dirty="0">
+                <a:solidFill>
+                  <a:srgbClr val="000000"/>
+                </a:solidFill>
+                <a:latin typeface="Times New Roman" pitchFamily="18" charset="0"/>
+              </a:rPr>
+              <a:t>A </a:t>
+            </a:r>
+            <a:r>
+              <a:rPr lang="en-GB" sz="2400" b="1" dirty="0">
+                <a:solidFill>
+                  <a:srgbClr val="000000"/>
+                </a:solidFill>
+                <a:latin typeface="Times New Roman" pitchFamily="18" charset="0"/>
+              </a:rPr>
+              <a:t>hypothesis</a:t>
+            </a:r>
+            <a:r>
+              <a:rPr lang="en-GB" sz="2400" dirty="0">
+                <a:solidFill>
+                  <a:srgbClr val="000000"/>
+                </a:solidFill>
+                <a:latin typeface="Times New Roman" pitchFamily="18" charset="0"/>
+              </a:rPr>
+              <a:t> is an assumption about a statistic.</a:t>
+            </a:r>
+          </a:p>
+          <a:p>
+            <a:pPr marL="887413" lvl="1" indent="-323850">
+              <a:spcBef>
+                <a:spcPts val="800"/>
+              </a:spcBef>
+              <a:buFont typeface="Times New Roman" pitchFamily="18" charset="0"/>
+              <a:buChar char="•"/>
+              <a:tabLst>
+                <a:tab pos="430213" algn="l"/>
+                <a:tab pos="1344613" algn="l"/>
+                <a:tab pos="2259013" algn="l"/>
+                <a:tab pos="3173413" algn="l"/>
+                <a:tab pos="4087813" algn="l"/>
+                <a:tab pos="5002213" algn="l"/>
+                <a:tab pos="5916613" algn="l"/>
+                <a:tab pos="6831013" algn="l"/>
+                <a:tab pos="7745413" algn="l"/>
+                <a:tab pos="8659813" algn="l"/>
+                <a:tab pos="9574213" algn="l"/>
+                <a:tab pos="10488613" algn="l"/>
+              </a:tabLst>
+            </a:pPr>
+            <a:r>
+              <a:rPr lang="en-GB" sz="2000" dirty="0">
+                <a:solidFill>
+                  <a:srgbClr val="000000"/>
+                </a:solidFill>
+                <a:latin typeface="Times New Roman" pitchFamily="18" charset="0"/>
+              </a:rPr>
+              <a:t>Form a hypothesis about the statistic</a:t>
+            </a:r>
+          </a:p>
+          <a:p>
+            <a:pPr marL="1344613" lvl="2" indent="-323850">
+              <a:spcBef>
+                <a:spcPts val="800"/>
+              </a:spcBef>
+              <a:buFont typeface="Times New Roman" pitchFamily="18" charset="0"/>
+              <a:buChar char="•"/>
+              <a:tabLst>
+                <a:tab pos="430213" algn="l"/>
+                <a:tab pos="1344613" algn="l"/>
+                <a:tab pos="2259013" algn="l"/>
+                <a:tab pos="3173413" algn="l"/>
+                <a:tab pos="4087813" algn="l"/>
+                <a:tab pos="5002213" algn="l"/>
+                <a:tab pos="5916613" algn="l"/>
+                <a:tab pos="6831013" algn="l"/>
+                <a:tab pos="7745413" algn="l"/>
+                <a:tab pos="8659813" algn="l"/>
+                <a:tab pos="9574213" algn="l"/>
+                <a:tab pos="10488613" algn="l"/>
+              </a:tabLst>
+            </a:pPr>
+            <a:r>
+              <a:rPr lang="en-GB" sz="2000" dirty="0">
+                <a:solidFill>
+                  <a:srgbClr val="000000"/>
+                </a:solidFill>
+                <a:latin typeface="Times New Roman" pitchFamily="18" charset="0"/>
+              </a:rPr>
+              <a:t>H</a:t>
+            </a:r>
+            <a:r>
+              <a:rPr lang="en-GB" sz="2000" baseline="-25000" dirty="0">
+                <a:solidFill>
+                  <a:srgbClr val="000000"/>
+                </a:solidFill>
+                <a:latin typeface="Times New Roman" pitchFamily="18" charset="0"/>
+              </a:rPr>
+              <a:t>0</a:t>
+            </a:r>
+            <a:r>
+              <a:rPr lang="en-GB" sz="2000" dirty="0">
+                <a:solidFill>
+                  <a:srgbClr val="000000"/>
+                </a:solidFill>
+                <a:latin typeface="Times New Roman" pitchFamily="18" charset="0"/>
+              </a:rPr>
+              <a:t>, the </a:t>
+            </a:r>
+            <a:r>
+              <a:rPr lang="en-GB" sz="2000" b="1" dirty="0">
+                <a:solidFill>
+                  <a:srgbClr val="000000"/>
+                </a:solidFill>
+                <a:latin typeface="Times New Roman" pitchFamily="18" charset="0"/>
+              </a:rPr>
+              <a:t>null hypothesis</a:t>
+            </a:r>
+          </a:p>
+          <a:p>
+            <a:pPr marL="887413" lvl="1" indent="-323850">
+              <a:spcBef>
+                <a:spcPts val="800"/>
+              </a:spcBef>
+              <a:buFont typeface="Times New Roman" pitchFamily="18" charset="0"/>
+              <a:buChar char="•"/>
+              <a:tabLst>
+                <a:tab pos="430213" algn="l"/>
+                <a:tab pos="1344613" algn="l"/>
+                <a:tab pos="2259013" algn="l"/>
+                <a:tab pos="3173413" algn="l"/>
+                <a:tab pos="4087813" algn="l"/>
+                <a:tab pos="5002213" algn="l"/>
+                <a:tab pos="5916613" algn="l"/>
+                <a:tab pos="6831013" algn="l"/>
+                <a:tab pos="7745413" algn="l"/>
+                <a:tab pos="8659813" algn="l"/>
+                <a:tab pos="9574213" algn="l"/>
+                <a:tab pos="10488613" algn="l"/>
+              </a:tabLst>
+            </a:pPr>
+            <a:r>
+              <a:rPr lang="en-GB" sz="2000" dirty="0">
+                <a:solidFill>
+                  <a:srgbClr val="000000"/>
+                </a:solidFill>
+                <a:latin typeface="Times New Roman" pitchFamily="18" charset="0"/>
+              </a:rPr>
+              <a:t>Identify the </a:t>
+            </a:r>
+            <a:r>
+              <a:rPr lang="en-GB" sz="2000" b="1" dirty="0">
+                <a:solidFill>
+                  <a:srgbClr val="000000"/>
+                </a:solidFill>
+                <a:latin typeface="Times New Roman" pitchFamily="18" charset="0"/>
+              </a:rPr>
+              <a:t>alternative hypothesis</a:t>
+            </a:r>
+            <a:r>
+              <a:rPr lang="en-GB" sz="2000" dirty="0">
+                <a:solidFill>
+                  <a:srgbClr val="000000"/>
+                </a:solidFill>
+                <a:latin typeface="Times New Roman" pitchFamily="18" charset="0"/>
+              </a:rPr>
+              <a:t>, H</a:t>
+            </a:r>
+            <a:r>
+              <a:rPr lang="en-GB" sz="2000" baseline="-25000" dirty="0">
+                <a:solidFill>
+                  <a:srgbClr val="000000"/>
+                </a:solidFill>
+                <a:latin typeface="Times New Roman" pitchFamily="18" charset="0"/>
+              </a:rPr>
+              <a:t>a</a:t>
+            </a:r>
+          </a:p>
+          <a:p>
+            <a:pPr marL="887413" lvl="1" indent="-323850">
+              <a:spcBef>
+                <a:spcPts val="800"/>
+              </a:spcBef>
+              <a:buFont typeface="Times New Roman" pitchFamily="18" charset="0"/>
+              <a:buChar char="•"/>
+              <a:tabLst>
+                <a:tab pos="430213" algn="l"/>
+                <a:tab pos="1344613" algn="l"/>
+                <a:tab pos="2259013" algn="l"/>
+                <a:tab pos="3173413" algn="l"/>
+                <a:tab pos="4087813" algn="l"/>
+                <a:tab pos="5002213" algn="l"/>
+                <a:tab pos="5916613" algn="l"/>
+                <a:tab pos="6831013" algn="l"/>
+                <a:tab pos="7745413" algn="l"/>
+                <a:tab pos="8659813" algn="l"/>
+                <a:tab pos="9574213" algn="l"/>
+                <a:tab pos="10488613" algn="l"/>
+              </a:tabLst>
+            </a:pPr>
+            <a:r>
+              <a:rPr lang="en-GB" sz="2000" dirty="0">
+                <a:solidFill>
+                  <a:srgbClr val="000000"/>
+                </a:solidFill>
+                <a:latin typeface="Times New Roman" pitchFamily="18" charset="0"/>
+              </a:rPr>
+              <a:t>“Accept” H</a:t>
+            </a:r>
+            <a:r>
+              <a:rPr lang="en-GB" sz="2000" baseline="-25000" dirty="0">
+                <a:solidFill>
+                  <a:srgbClr val="000000"/>
+                </a:solidFill>
+                <a:latin typeface="Times New Roman" pitchFamily="18" charset="0"/>
+              </a:rPr>
+              <a:t>0</a:t>
+            </a:r>
+            <a:r>
+              <a:rPr lang="en-GB" sz="2000" dirty="0">
+                <a:solidFill>
+                  <a:srgbClr val="000000"/>
+                </a:solidFill>
+                <a:latin typeface="Times New Roman" pitchFamily="18" charset="0"/>
+              </a:rPr>
+              <a:t> or “Reject” H</a:t>
+            </a:r>
+            <a:r>
+              <a:rPr lang="en-GB" sz="2000" baseline="-25000" dirty="0">
+                <a:solidFill>
+                  <a:srgbClr val="000000"/>
+                </a:solidFill>
+                <a:latin typeface="Times New Roman" pitchFamily="18" charset="0"/>
+              </a:rPr>
+              <a:t>0</a:t>
+            </a:r>
+            <a:r>
+              <a:rPr lang="en-GB" sz="2000" dirty="0">
+                <a:solidFill>
+                  <a:srgbClr val="000000"/>
+                </a:solidFill>
+                <a:latin typeface="Times New Roman" pitchFamily="18" charset="0"/>
+              </a:rPr>
+              <a:t> in favour of H</a:t>
+            </a:r>
+            <a:r>
+              <a:rPr lang="en-GB" sz="2000" baseline="-25000" dirty="0">
+                <a:solidFill>
+                  <a:srgbClr val="000000"/>
+                </a:solidFill>
+                <a:latin typeface="Times New Roman" pitchFamily="18" charset="0"/>
+              </a:rPr>
+              <a:t>a</a:t>
+            </a:r>
+            <a:r>
+              <a:rPr lang="en-GB" sz="2000" dirty="0">
+                <a:solidFill>
+                  <a:srgbClr val="000000"/>
+                </a:solidFill>
+                <a:latin typeface="Times New Roman" pitchFamily="18" charset="0"/>
+              </a:rPr>
+              <a:t> at a certain confidence level </a:t>
+            </a:r>
+            <a:r>
+              <a:rPr lang="en-US" sz="2000" dirty="0">
+                <a:latin typeface="Times New Roman" pitchFamily="18" charset="0"/>
+                <a:cs typeface="Times New Roman" pitchFamily="18" charset="0"/>
+              </a:rPr>
+              <a:t>(1-</a:t>
+            </a:r>
+            <a:r>
+              <a:rPr lang="en-US" sz="2000" dirty="0">
+                <a:latin typeface="Symbol" pitchFamily="18" charset="2"/>
+                <a:cs typeface="Times New Roman" pitchFamily="18" charset="0"/>
+              </a:rPr>
+              <a:t>a</a:t>
+            </a:r>
+            <a:r>
+              <a:rPr lang="en-US" sz="2000" dirty="0">
+                <a:latin typeface="Times New Roman" pitchFamily="18" charset="0"/>
+                <a:cs typeface="Times New Roman" pitchFamily="18" charset="0"/>
+              </a:rPr>
+              <a:t>)×100%</a:t>
+            </a:r>
+          </a:p>
+          <a:p>
+            <a:pPr marL="1344613" lvl="2" indent="-323850">
+              <a:spcBef>
+                <a:spcPts val="800"/>
+              </a:spcBef>
+              <a:buFont typeface="Times New Roman" pitchFamily="18" charset="0"/>
+              <a:buChar char="•"/>
+              <a:tabLst>
+                <a:tab pos="430213" algn="l"/>
+                <a:tab pos="1344613" algn="l"/>
+                <a:tab pos="2259013" algn="l"/>
+                <a:tab pos="3173413" algn="l"/>
+                <a:tab pos="4087813" algn="l"/>
+                <a:tab pos="5002213" algn="l"/>
+                <a:tab pos="5916613" algn="l"/>
+                <a:tab pos="6831013" algn="l"/>
+                <a:tab pos="7745413" algn="l"/>
+                <a:tab pos="8659813" algn="l"/>
+                <a:tab pos="9574213" algn="l"/>
+                <a:tab pos="10488613" algn="l"/>
+              </a:tabLst>
+            </a:pPr>
+            <a:r>
+              <a:rPr lang="en-US" sz="2000" dirty="0">
+                <a:latin typeface="Times New Roman" pitchFamily="18" charset="0"/>
+                <a:cs typeface="Times New Roman" pitchFamily="18" charset="0"/>
+              </a:rPr>
+              <a:t>Technically, “Accept” means “Do not reject”</a:t>
+            </a:r>
+            <a:endParaRPr lang="en-US" sz="2400" dirty="0">
+              <a:latin typeface="Times New Roman" pitchFamily="18" charset="0"/>
+              <a:cs typeface="Times New Roman" pitchFamily="18" charset="0"/>
+            </a:endParaRPr>
+          </a:p>
+        </p:txBody>
+      </p:sp>
+      <p:pic>
+        <p:nvPicPr>
+          <p:cNvPr id="4" name="Picture 3">
+            <a:extLst>
+              <a:ext uri="{FF2B5EF4-FFF2-40B4-BE49-F238E27FC236}">
+                <a16:creationId xmlns:a16="http://schemas.microsoft.com/office/drawing/2014/main" id="{8400660A-FF24-0B51-2950-E66B7BFBB0F2}"/>
+              </a:ext>
+            </a:extLst>
+          </p:cNvPr>
+          <p:cNvPicPr>
+            <a:picLocks noChangeAspect="1" noChangeArrowheads="1"/>
+          </p:cNvPicPr>
+          <p:nvPr/>
+        </p:nvPicPr>
+        <p:blipFill>
+          <a:blip r:embed="rId2" cstate="print"/>
+          <a:srcRect/>
+          <a:stretch>
+            <a:fillRect/>
+          </a:stretch>
+        </p:blipFill>
+        <p:spPr bwMode="auto">
+          <a:xfrm>
+            <a:off x="546090" y="196056"/>
+            <a:ext cx="8202612" cy="239712"/>
+          </a:xfrm>
+          <a:prstGeom prst="rect">
+            <a:avLst/>
+          </a:prstGeom>
+          <a:noFill/>
+          <a:ln w="9525">
+            <a:noFill/>
+            <a:round/>
+            <a:headEnd/>
+            <a:tailEnd/>
+          </a:ln>
+        </p:spPr>
+      </p:pic>
+      <p:pic>
+        <p:nvPicPr>
+          <p:cNvPr id="5" name="Picture 4">
+            <a:extLst>
+              <a:ext uri="{FF2B5EF4-FFF2-40B4-BE49-F238E27FC236}">
+                <a16:creationId xmlns:a16="http://schemas.microsoft.com/office/drawing/2014/main" id="{020A7662-B39F-F30F-7D9A-957CB471C2E1}"/>
+              </a:ext>
+            </a:extLst>
+          </p:cNvPr>
+          <p:cNvPicPr>
+            <a:picLocks noChangeAspect="1"/>
+          </p:cNvPicPr>
+          <p:nvPr/>
+        </p:nvPicPr>
+        <p:blipFill>
+          <a:blip r:embed="rId3"/>
+          <a:stretch>
+            <a:fillRect/>
+          </a:stretch>
+        </p:blipFill>
+        <p:spPr>
+          <a:xfrm>
+            <a:off x="1940668" y="4080261"/>
+            <a:ext cx="5912743" cy="2777739"/>
+          </a:xfrm>
+          <a:prstGeom prst="rect">
+            <a:avLst/>
+          </a:prstGeom>
+        </p:spPr>
+      </p:pic>
     </p:spTree>
     <p:extLst>
       <p:ext uri="{BB962C8B-B14F-4D97-AF65-F5344CB8AC3E}">
@@ -6486,6 +7616,127 @@
   <p:clrMapOvr>
     <a:masterClrMapping/>
   </p:clrMapOvr>
+  <p:timing>
+    <p:tnLst>
+      <p:par>
+        <p:cTn id="1" dur="indefinite" restart="never" nodeType="tmRoot">
+          <p:childTnLst>
+            <p:seq concurrent="1" nextAc="seek">
+              <p:cTn id="2" dur="indefinite" nodeType="mainSeq">
+                <p:childTnLst>
+                  <p:par>
+                    <p:cTn id="3" fill="hold">
+                      <p:stCondLst>
+                        <p:cond delay="indefinite"/>
+                      </p:stCondLst>
+                      <p:childTnLst>
+                        <p:par>
+                          <p:cTn id="4" fill="hold">
+                            <p:stCondLst>
+                              <p:cond delay="0"/>
+                            </p:stCondLst>
+                            <p:childTnLst>
+                              <p:par>
+                                <p:cTn id="5" presetID="2" presetClass="entr" presetSubtype="4" fill="hold" nodeType="clickEffect">
+                                  <p:stCondLst>
+                                    <p:cond delay="0"/>
+                                  </p:stCondLst>
+                                  <p:childTnLst>
+                                    <p:set>
+                                      <p:cBhvr>
+                                        <p:cTn id="6" dur="1" fill="hold">
+                                          <p:stCondLst>
+                                            <p:cond delay="0"/>
+                                          </p:stCondLst>
+                                        </p:cTn>
+                                        <p:tgtEl>
+                                          <p:spTgt spid="5"/>
+                                        </p:tgtEl>
+                                        <p:attrNameLst>
+                                          <p:attrName>style.visibility</p:attrName>
+                                        </p:attrNameLst>
+                                      </p:cBhvr>
+                                      <p:to>
+                                        <p:strVal val="visible"/>
+                                      </p:to>
+                                    </p:set>
+                                    <p:anim calcmode="lin" valueType="num">
+                                      <p:cBhvr additive="base">
+                                        <p:cTn id="7" dur="500" fill="hold"/>
+                                        <p:tgtEl>
+                                          <p:spTgt spid="5"/>
+                                        </p:tgtEl>
+                                        <p:attrNameLst>
+                                          <p:attrName>ppt_x</p:attrName>
+                                        </p:attrNameLst>
+                                      </p:cBhvr>
+                                      <p:tavLst>
+                                        <p:tav tm="0">
+                                          <p:val>
+                                            <p:strVal val="#ppt_x"/>
+                                          </p:val>
+                                        </p:tav>
+                                        <p:tav tm="100000">
+                                          <p:val>
+                                            <p:strVal val="#ppt_x"/>
+                                          </p:val>
+                                        </p:tav>
+                                      </p:tavLst>
+                                    </p:anim>
+                                    <p:anim calcmode="lin" valueType="num">
+                                      <p:cBhvr additive="base">
+                                        <p:cTn id="8" dur="500" fill="hold"/>
+                                        <p:tgtEl>
+                                          <p:spTgt spid="5"/>
+                                        </p:tgtEl>
+                                        <p:attrNameLst>
+                                          <p:attrName>ppt_y</p:attrName>
+                                        </p:attrNameLst>
+                                      </p:cBhvr>
+                                      <p:tavLst>
+                                        <p:tav tm="0">
+                                          <p:val>
+                                            <p:strVal val="1+#ppt_h/2"/>
+                                          </p:val>
+                                        </p:tav>
+                                        <p:tav tm="100000">
+                                          <p:val>
+                                            <p:strVal val="#ppt_y"/>
+                                          </p:val>
+                                        </p:tav>
+                                      </p:tavLst>
+                                    </p:anim>
+                                  </p:childTnLst>
+                                </p:cTn>
+                              </p:par>
+                            </p:childTnLst>
+                          </p:cTn>
+                        </p:par>
+                      </p:childTnLst>
+                    </p:cTn>
+                  </p:par>
+                </p:childTnLst>
+              </p:cTn>
+              <p:prevCondLst>
+                <p:cond evt="onPrev" delay="0">
+                  <p:tgtEl>
+                    <p:sldTgt/>
+                  </p:tgtEl>
+                </p:cond>
+              </p:prevCondLst>
+              <p:nextCondLst>
+                <p:cond evt="onNext" delay="0">
+                  <p:tgtEl>
+                    <p:sldTgt/>
+                  </p:tgtEl>
+                </p:cond>
+              </p:nextCondLst>
+            </p:seq>
+          </p:childTnLst>
+        </p:cTn>
+      </p:par>
+    </p:tnLst>
+  </p:timing>
 </p:sld>
 </file>
 
@@ -6512,6 +7763,356 @@
           <a:chExt cx="0" cy="0"/>
         </a:xfrm>
       </p:grpSpPr>
+      <p:sp>
+        <p:nvSpPr>
+          <p:cNvPr id="2" name="Rectangle 1">
+            <a:extLst>
+              <a:ext uri="{FF2B5EF4-FFF2-40B4-BE49-F238E27FC236}">
+                <a16:creationId xmlns:a16="http://schemas.microsoft.com/office/drawing/2014/main" id="{744261FE-D053-45EF-7F96-F9A0276C488A}"/>
+              </a:ext>
+            </a:extLst>
+          </p:cNvPr>
+          <p:cNvSpPr/>
+          <p:nvPr/>
+        </p:nvSpPr>
+        <p:spPr>
+          <a:xfrm>
+            <a:off x="1296737" y="1586925"/>
+            <a:ext cx="5822673" cy="369332"/>
+          </a:xfrm>
+          <a:prstGeom prst="rect">
+            <a:avLst/>
+          </a:prstGeom>
+        </p:spPr>
+        <p:txBody>
+          <a:bodyPr wrap="square">
+            <a:spAutoFit/>
+          </a:bodyPr>
+          <a:lstStyle/>
+          <a:p>
+            <a:r>
+              <a:rPr lang="en-US" dirty="0">
+                <a:latin typeface="Times New Roman"/>
+                <a:cs typeface="Times New Roman"/>
+              </a:rPr>
+              <a:t>Consider a series of mass assays measurements (in grams) :</a:t>
+            </a:r>
+          </a:p>
+        </p:txBody>
+      </p:sp>
+      <p:sp>
+        <p:nvSpPr>
+          <p:cNvPr id="3" name="Rectangle 2">
+            <a:extLst>
+              <a:ext uri="{FF2B5EF4-FFF2-40B4-BE49-F238E27FC236}">
+                <a16:creationId xmlns:a16="http://schemas.microsoft.com/office/drawing/2014/main" id="{F4282F0C-8C3B-CAE6-F268-A6EF509E5F49}"/>
+              </a:ext>
+            </a:extLst>
+          </p:cNvPr>
+          <p:cNvSpPr/>
+          <p:nvPr/>
+        </p:nvSpPr>
+        <p:spPr>
+          <a:xfrm>
+            <a:off x="177500" y="2314135"/>
+            <a:ext cx="8839200" cy="646331"/>
+          </a:xfrm>
+          <a:prstGeom prst="rect">
+            <a:avLst/>
+          </a:prstGeom>
+        </p:spPr>
+        <p:txBody>
+          <a:bodyPr wrap="square">
+            <a:spAutoFit/>
+          </a:bodyPr>
+          <a:lstStyle/>
+          <a:p>
+            <a:r>
+              <a:rPr lang="en-US" dirty="0">
+                <a:latin typeface="Times New Roman"/>
+                <a:cs typeface="Times New Roman"/>
+              </a:rPr>
+              <a:t>49.9996, 49.9994, 49.9993, 49.9996, 49.9995, 49.9995,49.9995, 49.9994, 49.9995, 49.9994 </a:t>
+            </a:r>
+            <a:endParaRPr lang="en-US" dirty="0"/>
+          </a:p>
+          <a:p>
+            <a:endParaRPr lang="en-US" dirty="0">
+              <a:latin typeface="Times New Roman"/>
+              <a:cs typeface="Times New Roman"/>
+            </a:endParaRPr>
+          </a:p>
+        </p:txBody>
+      </p:sp>
+      <p:sp>
+        <p:nvSpPr>
+          <p:cNvPr id="4" name="Rectangle 4">
+            <a:extLst>
+              <a:ext uri="{FF2B5EF4-FFF2-40B4-BE49-F238E27FC236}">
+                <a16:creationId xmlns:a16="http://schemas.microsoft.com/office/drawing/2014/main" id="{A943F63B-0D03-37EA-1F1C-A6DD6906B2A0}"/>
+              </a:ext>
+            </a:extLst>
+          </p:cNvPr>
+          <p:cNvSpPr>
+            <a:spLocks noChangeArrowheads="1"/>
+          </p:cNvSpPr>
+          <p:nvPr/>
+        </p:nvSpPr>
+        <p:spPr bwMode="auto">
+          <a:xfrm>
+            <a:off x="177500" y="494934"/>
+            <a:ext cx="8607425" cy="762000"/>
+          </a:xfrm>
+          <a:prstGeom prst="rect">
+            <a:avLst/>
+          </a:prstGeom>
+          <a:noFill/>
+          <a:ln w="9525">
+            <a:noFill/>
+            <a:round/>
+            <a:headEnd/>
+            <a:tailEnd/>
+          </a:ln>
+        </p:spPr>
+        <p:txBody>
+          <a:bodyPr lIns="0" tIns="0" rIns="0" bIns="0" anchor="ctr"/>
+          <a:lstStyle/>
+          <a:p>
+            <a:pPr algn="ctr">
+              <a:tabLst>
+                <a:tab pos="0" algn="l"/>
+                <a:tab pos="914400" algn="l"/>
+                <a:tab pos="1828800" algn="l"/>
+                <a:tab pos="2743200" algn="l"/>
+                <a:tab pos="3657600" algn="l"/>
+                <a:tab pos="4572000" algn="l"/>
+                <a:tab pos="5486400" algn="l"/>
+                <a:tab pos="6400800" algn="l"/>
+                <a:tab pos="7315200" algn="l"/>
+                <a:tab pos="8229600" algn="l"/>
+                <a:tab pos="9144000" algn="l"/>
+                <a:tab pos="10058400" algn="l"/>
+              </a:tabLst>
+            </a:pPr>
+            <a:r>
+              <a:rPr lang="en-GB" sz="2800" dirty="0">
+                <a:solidFill>
+                  <a:srgbClr val="000000"/>
+                </a:solidFill>
+                <a:latin typeface="Times New Roman" pitchFamily="18" charset="0"/>
+              </a:rPr>
+              <a:t>Example: One Sample Hypothesis Testing for the Mean</a:t>
+            </a:r>
+          </a:p>
+        </p:txBody>
+      </p:sp>
+      <p:pic>
+        <p:nvPicPr>
+          <p:cNvPr id="5" name="Picture 4">
+            <a:extLst>
+              <a:ext uri="{FF2B5EF4-FFF2-40B4-BE49-F238E27FC236}">
+                <a16:creationId xmlns:a16="http://schemas.microsoft.com/office/drawing/2014/main" id="{AFBBC51A-5C76-5B61-C745-9C8C65030F2B}"/>
+              </a:ext>
+            </a:extLst>
+          </p:cNvPr>
+          <p:cNvPicPr>
+            <a:picLocks noChangeAspect="1" noChangeArrowheads="1"/>
+          </p:cNvPicPr>
+          <p:nvPr/>
+        </p:nvPicPr>
+        <p:blipFill>
+          <a:blip r:embed="rId2" cstate="print"/>
+          <a:srcRect/>
+          <a:stretch>
+            <a:fillRect/>
+          </a:stretch>
+        </p:blipFill>
+        <p:spPr bwMode="auto">
+          <a:xfrm>
+            <a:off x="429912" y="176408"/>
+            <a:ext cx="8202612" cy="239712"/>
+          </a:xfrm>
+          <a:prstGeom prst="rect">
+            <a:avLst/>
+          </a:prstGeom>
+          <a:noFill/>
+          <a:ln w="9525">
+            <a:noFill/>
+            <a:round/>
+            <a:headEnd/>
+            <a:tailEnd/>
+          </a:ln>
+        </p:spPr>
+      </p:pic>
+      <p:sp>
+        <p:nvSpPr>
+          <p:cNvPr id="6" name="Rectangle 5">
+            <a:extLst>
+              <a:ext uri="{FF2B5EF4-FFF2-40B4-BE49-F238E27FC236}">
+                <a16:creationId xmlns:a16="http://schemas.microsoft.com/office/drawing/2014/main" id="{9FE65AF3-5BA5-DD61-7447-0744192327B6}"/>
+              </a:ext>
+            </a:extLst>
+          </p:cNvPr>
+          <p:cNvSpPr/>
+          <p:nvPr/>
+        </p:nvSpPr>
+        <p:spPr>
+          <a:xfrm>
+            <a:off x="250501" y="3511936"/>
+            <a:ext cx="8520313" cy="923330"/>
+          </a:xfrm>
+          <a:prstGeom prst="rect">
+            <a:avLst/>
+          </a:prstGeom>
+        </p:spPr>
+        <p:txBody>
+          <a:bodyPr wrap="square">
+            <a:spAutoFit/>
+          </a:bodyPr>
+          <a:lstStyle/>
+          <a:p>
+            <a:pPr marL="342900" indent="-342900">
+              <a:buAutoNum type="alphaLcPeriod"/>
+            </a:pPr>
+            <a:r>
+              <a:rPr lang="en-US" dirty="0">
+                <a:latin typeface="Times New Roman"/>
+                <a:cs typeface="Times New Roman"/>
+              </a:rPr>
+              <a:t>Do a 95% confidence hypothesis test to test if </a:t>
+            </a:r>
+            <a:r>
+              <a:rPr lang="en-US" dirty="0" err="1">
+                <a:latin typeface="Symbol" charset="2"/>
+                <a:cs typeface="Symbol" charset="2"/>
+              </a:rPr>
+              <a:t>m</a:t>
+            </a:r>
+            <a:r>
+              <a:rPr lang="en-US" baseline="-25000" dirty="0" err="1">
+                <a:latin typeface="Times New Roman"/>
+                <a:cs typeface="Times New Roman"/>
+              </a:rPr>
+              <a:t>mass</a:t>
+            </a:r>
+            <a:r>
+              <a:rPr lang="en-US" dirty="0">
+                <a:latin typeface="Times New Roman"/>
+                <a:cs typeface="Times New Roman"/>
+              </a:rPr>
+              <a:t> ≠ 50.000g (H</a:t>
+            </a:r>
+            <a:r>
+              <a:rPr lang="en-US" baseline="-25000" dirty="0">
+                <a:latin typeface="Times New Roman"/>
+                <a:cs typeface="Times New Roman"/>
+              </a:rPr>
+              <a:t>a</a:t>
+            </a:r>
+            <a:r>
+              <a:rPr lang="en-US" dirty="0">
+                <a:latin typeface="Times New Roman"/>
+                <a:cs typeface="Times New Roman"/>
+              </a:rPr>
+              <a:t>). </a:t>
+            </a:r>
+          </a:p>
+          <a:p>
+            <a:pPr marL="342900" indent="-342900">
+              <a:buAutoNum type="alphaLcPeriod"/>
+            </a:pPr>
+            <a:r>
+              <a:rPr lang="en-US" dirty="0">
+                <a:latin typeface="Times New Roman"/>
+                <a:cs typeface="Times New Roman"/>
+              </a:rPr>
+              <a:t>Do a 95% confidence hypothesis test to test if </a:t>
+            </a:r>
+            <a:r>
+              <a:rPr lang="en-US" dirty="0" err="1">
+                <a:latin typeface="Symbol" charset="2"/>
+                <a:cs typeface="Symbol" charset="2"/>
+              </a:rPr>
+              <a:t>m</a:t>
+            </a:r>
+            <a:r>
+              <a:rPr lang="en-US" baseline="-25000" dirty="0" err="1">
+                <a:latin typeface="Times New Roman"/>
+                <a:cs typeface="Times New Roman"/>
+              </a:rPr>
+              <a:t>mass</a:t>
+            </a:r>
+            <a:r>
+              <a:rPr lang="en-US" dirty="0">
+                <a:latin typeface="Times New Roman"/>
+                <a:cs typeface="Times New Roman"/>
+              </a:rPr>
+              <a:t> &lt; 50.000g (H</a:t>
+            </a:r>
+            <a:r>
+              <a:rPr lang="en-US" baseline="-25000" dirty="0">
+                <a:latin typeface="Times New Roman"/>
+                <a:cs typeface="Times New Roman"/>
+              </a:rPr>
+              <a:t>a</a:t>
+            </a:r>
+            <a:r>
+              <a:rPr lang="en-US" dirty="0">
+                <a:latin typeface="Times New Roman"/>
+                <a:cs typeface="Times New Roman"/>
+              </a:rPr>
+              <a:t>). </a:t>
+            </a:r>
+          </a:p>
+          <a:p>
+            <a:pPr marL="342900" indent="-342900">
+              <a:buAutoNum type="alphaLcPeriod"/>
+            </a:pPr>
+            <a:r>
+              <a:rPr lang="en-US" dirty="0">
+                <a:latin typeface="Times New Roman"/>
+                <a:cs typeface="Times New Roman"/>
+              </a:rPr>
+              <a:t>Do a 95% confidence hypothesis test to test if </a:t>
+            </a:r>
+            <a:r>
+              <a:rPr lang="en-US" dirty="0" err="1">
+                <a:latin typeface="Symbol" charset="2"/>
+                <a:cs typeface="Symbol" charset="2"/>
+              </a:rPr>
+              <a:t>m</a:t>
+            </a:r>
+            <a:r>
+              <a:rPr lang="en-US" baseline="-25000" dirty="0" err="1">
+                <a:latin typeface="Times New Roman"/>
+                <a:cs typeface="Times New Roman"/>
+              </a:rPr>
+              <a:t>mass</a:t>
+            </a:r>
+            <a:r>
+              <a:rPr lang="en-US" dirty="0">
+                <a:latin typeface="Times New Roman"/>
+                <a:cs typeface="Times New Roman"/>
+              </a:rPr>
+              <a:t> &gt; 50.000g (H</a:t>
+            </a:r>
+            <a:r>
+              <a:rPr lang="en-US" baseline="-25000" dirty="0">
+                <a:latin typeface="Times New Roman"/>
+                <a:cs typeface="Times New Roman"/>
+              </a:rPr>
+              <a:t>a</a:t>
+            </a:r>
+            <a:r>
+              <a:rPr lang="en-US" dirty="0">
+                <a:latin typeface="Times New Roman"/>
+                <a:cs typeface="Times New Roman"/>
+              </a:rPr>
+              <a:t>). </a:t>
+            </a:r>
+          </a:p>
+        </p:txBody>
+      </p:sp>
     </p:spTree>
     <p:extLst>
       <p:ext uri="{BB962C8B-B14F-4D97-AF65-F5344CB8AC3E}">
@@ -6530,13 +8131,7 @@
   <p:cSld>
     <p:spTree>
       <p:nvGrpSpPr>
-        <p:cNvPr id="1" name="">
-          <a:extLst>
-            <a:ext uri="{FF2B5EF4-FFF2-40B4-BE49-F238E27FC236}">
-              <a16:creationId xmlns:a16="http://schemas.microsoft.com/office/drawing/2014/main" id="{DFD35416-ECCD-3D5B-3445-70EAE7530427}"/>
-            </a:ext>
-          </a:extLst>
-        </p:cNvPr>
+        <p:cNvPr id="1" name=""/>
         <p:cNvGrpSpPr/>
         <p:nvPr/>
       </p:nvGrpSpPr>
@@ -6548,10 +8143,2107 @@
           <a:chExt cx="0" cy="0"/>
         </a:xfrm>
       </p:grpSpPr>
+      <p:sp>
+        <p:nvSpPr>
+          <p:cNvPr id="6" name="Rectangle 4"/>
+          <p:cNvSpPr>
+            <a:spLocks noChangeArrowheads="1"/>
+          </p:cNvSpPr>
+          <p:nvPr/>
+        </p:nvSpPr>
+        <p:spPr bwMode="auto">
+          <a:xfrm>
+            <a:off x="231777" y="394726"/>
+            <a:ext cx="8607425" cy="762000"/>
+          </a:xfrm>
+          <a:prstGeom prst="rect">
+            <a:avLst/>
+          </a:prstGeom>
+          <a:noFill/>
+          <a:ln w="9525">
+            <a:noFill/>
+            <a:round/>
+            <a:headEnd/>
+            <a:tailEnd/>
+          </a:ln>
+        </p:spPr>
+        <p:txBody>
+          <a:bodyPr lIns="0" tIns="0" rIns="0" bIns="0" anchor="ctr"/>
+          <a:lstStyle/>
+          <a:p>
+            <a:pPr algn="ctr">
+              <a:tabLst>
+                <a:tab pos="0" algn="l"/>
+                <a:tab pos="914400" algn="l"/>
+                <a:tab pos="1828800" algn="l"/>
+                <a:tab pos="2743200" algn="l"/>
+                <a:tab pos="3657600" algn="l"/>
+                <a:tab pos="4572000" algn="l"/>
+                <a:tab pos="5486400" algn="l"/>
+                <a:tab pos="6400800" algn="l"/>
+                <a:tab pos="7315200" algn="l"/>
+                <a:tab pos="8229600" algn="l"/>
+                <a:tab pos="9144000" algn="l"/>
+                <a:tab pos="10058400" algn="l"/>
+              </a:tabLst>
+            </a:pPr>
+            <a:r>
+              <a:rPr lang="en-GB" sz="2800" dirty="0">
+                <a:solidFill>
+                  <a:srgbClr val="000000"/>
+                </a:solidFill>
+                <a:latin typeface="Times New Roman" pitchFamily="18" charset="0"/>
+              </a:rPr>
+              <a:t>Example: One Sample Hypothesis Testing for the Mean</a:t>
+            </a:r>
+          </a:p>
+        </p:txBody>
+      </p:sp>
+      <p:pic>
+        <p:nvPicPr>
+          <p:cNvPr id="7" name="Picture 6"/>
+          <p:cNvPicPr>
+            <a:picLocks noChangeAspect="1" noChangeArrowheads="1"/>
+          </p:cNvPicPr>
+          <p:nvPr/>
+        </p:nvPicPr>
+        <p:blipFill>
+          <a:blip r:embed="rId3" cstate="print"/>
+          <a:srcRect/>
+          <a:stretch>
+            <a:fillRect/>
+          </a:stretch>
+        </p:blipFill>
+        <p:spPr bwMode="auto">
+          <a:xfrm>
+            <a:off x="484188" y="76200"/>
+            <a:ext cx="8202612" cy="239712"/>
+          </a:xfrm>
+          <a:prstGeom prst="rect">
+            <a:avLst/>
+          </a:prstGeom>
+          <a:noFill/>
+          <a:ln w="9525">
+            <a:noFill/>
+            <a:round/>
+            <a:headEnd/>
+            <a:tailEnd/>
+          </a:ln>
+        </p:spPr>
+      </p:pic>
+      <p:sp>
+        <p:nvSpPr>
+          <p:cNvPr id="11" name="Rectangle 10"/>
+          <p:cNvSpPr/>
+          <p:nvPr/>
+        </p:nvSpPr>
+        <p:spPr>
+          <a:xfrm>
+            <a:off x="3266748" y="6310678"/>
+            <a:ext cx="2025201" cy="369332"/>
+          </a:xfrm>
+          <a:prstGeom prst="rect">
+            <a:avLst/>
+          </a:prstGeom>
+        </p:spPr>
+        <p:txBody>
+          <a:bodyPr wrap="none">
+            <a:spAutoFit/>
+          </a:bodyPr>
+          <a:lstStyle/>
+          <a:p>
+            <a:r>
+              <a:rPr lang="en-US" dirty="0">
+                <a:latin typeface="Symbol" charset="2"/>
+                <a:cs typeface="Symbol" charset="2"/>
+              </a:rPr>
+              <a:t>H</a:t>
+            </a:r>
+            <a:r>
+              <a:rPr lang="en-US" baseline="-25000" dirty="0">
+                <a:latin typeface="Times New Roman"/>
+                <a:cs typeface="Times New Roman"/>
+              </a:rPr>
+              <a:t>a</a:t>
+            </a:r>
+            <a:r>
+              <a:rPr lang="en-US" dirty="0">
+                <a:latin typeface="Symbol" charset="2"/>
+                <a:cs typeface="Symbol" charset="2"/>
+              </a:rPr>
+              <a:t>: </a:t>
+            </a:r>
+            <a:r>
+              <a:rPr lang="en-US" dirty="0" err="1">
+                <a:latin typeface="Symbol" charset="2"/>
+                <a:cs typeface="Symbol" charset="2"/>
+              </a:rPr>
+              <a:t>m</a:t>
+            </a:r>
+            <a:r>
+              <a:rPr lang="en-US" baseline="-25000" dirty="0" err="1">
+                <a:latin typeface="Times New Roman"/>
+                <a:cs typeface="Times New Roman"/>
+              </a:rPr>
+              <a:t>mass</a:t>
+            </a:r>
+            <a:r>
+              <a:rPr lang="en-US" dirty="0">
+                <a:latin typeface="Times New Roman"/>
+                <a:cs typeface="Times New Roman"/>
+              </a:rPr>
+              <a:t> ≠ 50.000g</a:t>
+            </a:r>
+            <a:endParaRPr lang="en-US" dirty="0"/>
+          </a:p>
+        </p:txBody>
+      </p:sp>
+      <p:sp>
+        <p:nvSpPr>
+          <p:cNvPr id="12" name="Rectangle 11"/>
+          <p:cNvSpPr/>
+          <p:nvPr/>
+        </p:nvSpPr>
+        <p:spPr>
+          <a:xfrm>
+            <a:off x="3218628" y="5934476"/>
+            <a:ext cx="1986441" cy="369332"/>
+          </a:xfrm>
+          <a:prstGeom prst="rect">
+            <a:avLst/>
+          </a:prstGeom>
+        </p:spPr>
+        <p:txBody>
+          <a:bodyPr wrap="none">
+            <a:spAutoFit/>
+          </a:bodyPr>
+          <a:lstStyle/>
+          <a:p>
+            <a:r>
+              <a:rPr lang="en-US" dirty="0">
+                <a:latin typeface="Symbol" charset="2"/>
+                <a:cs typeface="Symbol" charset="2"/>
+              </a:rPr>
+              <a:t>H</a:t>
+            </a:r>
+            <a:r>
+              <a:rPr lang="en-US" baseline="-25000" dirty="0">
+                <a:latin typeface="Times New Roman"/>
+                <a:cs typeface="Times New Roman"/>
+              </a:rPr>
+              <a:t>0</a:t>
+            </a:r>
+            <a:r>
+              <a:rPr lang="en-US" dirty="0">
+                <a:latin typeface="Symbol" charset="2"/>
+                <a:cs typeface="Symbol" charset="2"/>
+              </a:rPr>
+              <a:t>: </a:t>
+            </a:r>
+            <a:r>
+              <a:rPr lang="en-US" dirty="0" err="1">
+                <a:latin typeface="Symbol" charset="2"/>
+                <a:cs typeface="Symbol" charset="2"/>
+              </a:rPr>
+              <a:t>m</a:t>
+            </a:r>
+            <a:r>
+              <a:rPr lang="en-US" baseline="-25000" dirty="0" err="1">
+                <a:latin typeface="Times New Roman"/>
+                <a:cs typeface="Times New Roman"/>
+              </a:rPr>
+              <a:t>mass</a:t>
+            </a:r>
+            <a:r>
+              <a:rPr lang="en-US" dirty="0">
+                <a:latin typeface="Times New Roman"/>
+                <a:cs typeface="Times New Roman"/>
+              </a:rPr>
+              <a:t> = 50.000g</a:t>
+            </a:r>
+            <a:endParaRPr lang="en-US" dirty="0"/>
+          </a:p>
+        </p:txBody>
+      </p:sp>
+      <p:sp>
+        <p:nvSpPr>
+          <p:cNvPr id="13" name="Rectangle 12"/>
+          <p:cNvSpPr/>
+          <p:nvPr/>
+        </p:nvSpPr>
+        <p:spPr>
+          <a:xfrm>
+            <a:off x="93578" y="1330524"/>
+            <a:ext cx="8996949" cy="3139321"/>
+          </a:xfrm>
+          <a:prstGeom prst="rect">
+            <a:avLst/>
+          </a:prstGeom>
+          <a:solidFill>
+            <a:srgbClr val="000C78"/>
+          </a:solidFill>
+        </p:spPr>
+        <p:txBody>
+          <a:bodyPr wrap="square">
+            <a:spAutoFit/>
+          </a:bodyPr>
+          <a:lstStyle/>
+          <a:p>
+            <a:r>
+              <a:rPr lang="en-US" sz="1100" dirty="0">
+                <a:solidFill>
+                  <a:srgbClr val="FF0000"/>
+                </a:solidFill>
+                <a:latin typeface="Courier"/>
+                <a:cs typeface="Courier"/>
+              </a:rPr>
+              <a:t># Question of interest: Is the mean mass == 50.000g ? </a:t>
+            </a:r>
+          </a:p>
+          <a:p>
+            <a:endParaRPr lang="en-US" sz="1100" dirty="0">
+              <a:solidFill>
+                <a:schemeClr val="bg1"/>
+              </a:solidFill>
+              <a:latin typeface="Courier"/>
+              <a:cs typeface="Courier"/>
+            </a:endParaRPr>
+          </a:p>
+          <a:p>
+            <a:r>
+              <a:rPr lang="en-US" sz="1100" dirty="0">
+                <a:solidFill>
+                  <a:schemeClr val="bg1"/>
+                </a:solidFill>
+                <a:latin typeface="Courier"/>
+                <a:cs typeface="Courier"/>
+              </a:rPr>
+              <a:t>x &lt;- c(49.9996,49.9994,49.9993,49.9996,49.9995,49.9995,49.9995,49.9994,49.9995,49.9994)</a:t>
+            </a:r>
+          </a:p>
+          <a:p>
+            <a:r>
+              <a:rPr lang="en-US" sz="1100" dirty="0">
+                <a:solidFill>
+                  <a:schemeClr val="bg1"/>
+                </a:solidFill>
+                <a:latin typeface="Courier"/>
+                <a:cs typeface="Courier"/>
+              </a:rPr>
+              <a:t>mean(x)</a:t>
+            </a:r>
+          </a:p>
+          <a:p>
+            <a:endParaRPr lang="en-US" sz="1100" dirty="0">
+              <a:solidFill>
+                <a:schemeClr val="bg1"/>
+              </a:solidFill>
+              <a:latin typeface="Courier"/>
+              <a:cs typeface="Courier"/>
+            </a:endParaRPr>
+          </a:p>
+          <a:p>
+            <a:r>
+              <a:rPr lang="en-US" sz="1100" dirty="0">
+                <a:solidFill>
+                  <a:srgbClr val="FF0000"/>
+                </a:solidFill>
+                <a:latin typeface="Courier"/>
+                <a:cs typeface="Courier"/>
+              </a:rPr>
+              <a:t># NULL HYPOTHESIS:</a:t>
+            </a:r>
+            <a:r>
+              <a:rPr lang="en-US" sz="1100" dirty="0">
+                <a:solidFill>
+                  <a:schemeClr val="bg1"/>
+                </a:solidFill>
+                <a:latin typeface="Courier"/>
+                <a:cs typeface="Courier"/>
+              </a:rPr>
+              <a:t>        </a:t>
+            </a:r>
+            <a:r>
+              <a:rPr lang="en-US" sz="1100" dirty="0">
+                <a:solidFill>
+                  <a:srgbClr val="FFFF00"/>
+                </a:solidFill>
+                <a:latin typeface="Courier"/>
+                <a:cs typeface="Courier"/>
+              </a:rPr>
+              <a:t>mu == 50.000g</a:t>
+            </a:r>
+          </a:p>
+          <a:p>
+            <a:r>
+              <a:rPr lang="en-US" sz="1100" dirty="0">
+                <a:solidFill>
+                  <a:srgbClr val="FF0000"/>
+                </a:solidFill>
+                <a:latin typeface="Courier"/>
+                <a:cs typeface="Courier"/>
+              </a:rPr>
+              <a:t># ALTERNATIVE HYPOTHESIS:</a:t>
+            </a:r>
+            <a:r>
+              <a:rPr lang="en-US" sz="1100" dirty="0">
+                <a:solidFill>
+                  <a:schemeClr val="bg1"/>
+                </a:solidFill>
+                <a:latin typeface="Courier"/>
+                <a:cs typeface="Courier"/>
+              </a:rPr>
+              <a:t> </a:t>
+            </a:r>
+            <a:r>
+              <a:rPr lang="en-US" sz="1100" dirty="0">
+                <a:solidFill>
+                  <a:srgbClr val="FFFF00"/>
+                </a:solidFill>
+                <a:latin typeface="Courier"/>
+                <a:cs typeface="Courier"/>
+              </a:rPr>
+              <a:t>mu != 50.000g</a:t>
+            </a:r>
+          </a:p>
+          <a:p>
+            <a:endParaRPr lang="en-US" sz="1100" dirty="0">
+              <a:solidFill>
+                <a:schemeClr val="bg1"/>
+              </a:solidFill>
+              <a:latin typeface="Courier"/>
+              <a:cs typeface="Courier"/>
+            </a:endParaRPr>
+          </a:p>
+          <a:p>
+            <a:r>
+              <a:rPr lang="en-US" sz="1100" dirty="0" err="1">
+                <a:solidFill>
+                  <a:schemeClr val="bg1"/>
+                </a:solidFill>
+                <a:latin typeface="Courier"/>
+                <a:cs typeface="Courier"/>
+              </a:rPr>
+              <a:t>t.test</a:t>
+            </a:r>
+            <a:r>
+              <a:rPr lang="en-US" sz="1100" dirty="0">
+                <a:solidFill>
+                  <a:schemeClr val="bg1"/>
+                </a:solidFill>
+                <a:latin typeface="Courier"/>
+                <a:cs typeface="Courier"/>
+              </a:rPr>
+              <a:t>(x, alternative = </a:t>
+            </a:r>
+            <a:r>
+              <a:rPr lang="en-US" sz="1100" dirty="0">
+                <a:solidFill>
+                  <a:srgbClr val="00B050"/>
+                </a:solidFill>
+                <a:latin typeface="Courier"/>
+                <a:cs typeface="Courier"/>
+              </a:rPr>
+              <a:t>"</a:t>
+            </a:r>
+            <a:r>
+              <a:rPr lang="en-US" sz="1100" dirty="0" err="1">
+                <a:solidFill>
+                  <a:srgbClr val="00B050"/>
+                </a:solidFill>
+                <a:latin typeface="Courier"/>
+                <a:cs typeface="Courier"/>
+              </a:rPr>
+              <a:t>two.sided</a:t>
+            </a:r>
+            <a:r>
+              <a:rPr lang="en-US" sz="1100" dirty="0">
+                <a:solidFill>
+                  <a:srgbClr val="00B050"/>
+                </a:solidFill>
+                <a:latin typeface="Courier"/>
+                <a:cs typeface="Courier"/>
+              </a:rPr>
+              <a:t>"</a:t>
+            </a:r>
+            <a:r>
+              <a:rPr lang="en-US" sz="1100" dirty="0">
+                <a:solidFill>
+                  <a:schemeClr val="bg1"/>
+                </a:solidFill>
+                <a:latin typeface="Courier"/>
+                <a:cs typeface="Courier"/>
+              </a:rPr>
+              <a:t>, mu = 50.000, </a:t>
+            </a:r>
+            <a:r>
+              <a:rPr lang="en-US" sz="1100" dirty="0" err="1">
+                <a:solidFill>
+                  <a:schemeClr val="bg1"/>
+                </a:solidFill>
+                <a:latin typeface="Courier"/>
+                <a:cs typeface="Courier"/>
+              </a:rPr>
+              <a:t>conf.level</a:t>
+            </a:r>
+            <a:r>
+              <a:rPr lang="en-US" sz="1100" dirty="0">
+                <a:solidFill>
+                  <a:schemeClr val="bg1"/>
+                </a:solidFill>
+                <a:latin typeface="Courier"/>
+                <a:cs typeface="Courier"/>
+              </a:rPr>
+              <a:t> = 0.95)</a:t>
+            </a:r>
+          </a:p>
+          <a:p>
+            <a:endParaRPr lang="en-US" sz="1100" dirty="0">
+              <a:solidFill>
+                <a:schemeClr val="bg1"/>
+              </a:solidFill>
+              <a:latin typeface="Courier"/>
+              <a:cs typeface="Courier"/>
+            </a:endParaRPr>
+          </a:p>
+          <a:p>
+            <a:r>
+              <a:rPr lang="en-US" sz="1100" dirty="0">
+                <a:solidFill>
+                  <a:srgbClr val="FFFF00"/>
+                </a:solidFill>
+                <a:latin typeface="Courier"/>
+                <a:cs typeface="Courier"/>
+              </a:rPr>
+              <a:t># The meaning of the output for </a:t>
+            </a:r>
+            <a:r>
+              <a:rPr lang="en-US" sz="1100" dirty="0" err="1">
+                <a:solidFill>
+                  <a:srgbClr val="FFFF00"/>
+                </a:solidFill>
+                <a:latin typeface="Courier"/>
+                <a:cs typeface="Courier"/>
+              </a:rPr>
+              <a:t>t.test</a:t>
+            </a:r>
+            <a:r>
+              <a:rPr lang="en-US" sz="1100" dirty="0">
+                <a:solidFill>
+                  <a:srgbClr val="FFFF00"/>
+                </a:solidFill>
+                <a:latin typeface="Courier"/>
+                <a:cs typeface="Courier"/>
+              </a:rPr>
+              <a:t>: </a:t>
+            </a:r>
+          </a:p>
+          <a:p>
+            <a:endParaRPr lang="en-US" sz="1100" dirty="0">
+              <a:solidFill>
+                <a:schemeClr val="bg1"/>
+              </a:solidFill>
+              <a:latin typeface="Courier"/>
+              <a:cs typeface="Courier"/>
+            </a:endParaRPr>
+          </a:p>
+          <a:p>
+            <a:r>
+              <a:rPr lang="en-US" sz="1100" dirty="0">
+                <a:solidFill>
+                  <a:srgbClr val="FFFF00"/>
+                </a:solidFill>
+                <a:latin typeface="Courier"/>
+                <a:cs typeface="Courier"/>
+              </a:rPr>
+              <a:t># Can we REJECT the NULL HYPOTHESIS? =&gt; Is there evidence that the mean mass is not equal to 50.000g?</a:t>
+            </a:r>
+          </a:p>
+          <a:p>
+            <a:r>
+              <a:rPr lang="en-US" sz="1100" dirty="0">
+                <a:solidFill>
+                  <a:srgbClr val="FFFF00"/>
+                </a:solidFill>
+                <a:latin typeface="Courier"/>
+                <a:cs typeface="Courier"/>
+              </a:rPr>
+              <a:t># p-value = 2.704e-08</a:t>
+            </a:r>
+          </a:p>
+          <a:p>
+            <a:r>
+              <a:rPr lang="en-US" sz="1100" dirty="0">
+                <a:solidFill>
+                  <a:srgbClr val="FFFF00"/>
+                </a:solidFill>
+                <a:latin typeface="Courier"/>
+                <a:cs typeface="Courier"/>
+              </a:rPr>
+              <a:t>#</a:t>
+            </a:r>
+          </a:p>
+          <a:p>
+            <a:r>
+              <a:rPr lang="en-US" sz="1100" dirty="0">
+                <a:solidFill>
+                  <a:srgbClr val="FFFF00"/>
+                </a:solidFill>
+                <a:latin typeface="Courier"/>
+                <a:cs typeface="Courier"/>
+              </a:rPr>
+              <a:t># So p &lt; 0.05. REJECT the NULL HYPOTHESIS. The data is "unlikely" under the null.</a:t>
+            </a:r>
+          </a:p>
+          <a:p>
+            <a:r>
+              <a:rPr lang="en-US" sz="1100" dirty="0">
+                <a:solidFill>
+                  <a:srgbClr val="FFFF00"/>
+                </a:solidFill>
+                <a:latin typeface="Courier"/>
+                <a:cs typeface="Courier"/>
+              </a:rPr>
+              <a:t># Another </a:t>
+            </a:r>
+            <a:r>
+              <a:rPr lang="en-US" sz="1100" dirty="0" err="1">
+                <a:solidFill>
+                  <a:srgbClr val="FFFF00"/>
+                </a:solidFill>
+                <a:latin typeface="Courier"/>
+                <a:cs typeface="Courier"/>
+              </a:rPr>
+              <a:t>interperitation</a:t>
+            </a:r>
+            <a:r>
+              <a:rPr lang="en-US" sz="1100" dirty="0">
+                <a:solidFill>
+                  <a:srgbClr val="FFFF00"/>
+                </a:solidFill>
+                <a:latin typeface="Courier"/>
+                <a:cs typeface="Courier"/>
+              </a:rPr>
+              <a:t>: If the Null were true, we wouldn't see data like this too often.</a:t>
+            </a:r>
+          </a:p>
+          <a:p>
+            <a:r>
+              <a:rPr lang="en-US" sz="1100" dirty="0">
+                <a:solidFill>
+                  <a:srgbClr val="FFFF00"/>
+                </a:solidFill>
+                <a:latin typeface="Courier"/>
+                <a:cs typeface="Courier"/>
+              </a:rPr>
+              <a:t># BUT: We CANNOT SAY that the data is more likely under the Alternative hypothesis.</a:t>
+            </a:r>
+          </a:p>
+        </p:txBody>
+      </p:sp>
     </p:spTree>
     <p:extLst>
       <p:ext uri="{BB962C8B-B14F-4D97-AF65-F5344CB8AC3E}">
-        <p14:creationId xmlns:p14="http://schemas.microsoft.com/office/powerpoint/2010/main" val="3483385224"/>
+        <p14:creationId xmlns:p14="http://schemas.microsoft.com/office/powerpoint/2010/main" val="132406976"/>
+      </p:ext>
+    </p:extLst>
+  </p:cSld>
+  <p:clrMapOvr>
+    <a:masterClrMapping/>
+  </p:clrMapOvr>
+</p:sld>
+</file>
+
+<file path=ppt/slides/slide17.xml><?xml version="1.0" encoding="utf-8"?>
+<p:sld xmlns:a="http://schemas.openxmlformats.org/drawingml/2006/main" xmlns:r="http://schemas.openxmlformats.org/officeDocument/2006/relationships" xmlns:p="http://schemas.openxmlformats.org/presentationml/2006/main">
+  <p:cSld>
+    <p:spTree>
+      <p:nvGrpSpPr>
+        <p:cNvPr id="1" name=""/>
+        <p:cNvGrpSpPr/>
+        <p:nvPr/>
+      </p:nvGrpSpPr>
+      <p:grpSpPr>
+        <a:xfrm>
+          <a:off x="0" y="0"/>
+          <a:ext cx="0" cy="0"/>
+          <a:chOff x="0" y="0"/>
+          <a:chExt cx="0" cy="0"/>
+        </a:xfrm>
+      </p:grpSpPr>
+      <p:sp>
+        <p:nvSpPr>
+          <p:cNvPr id="6" name="Rectangle 4"/>
+          <p:cNvSpPr>
+            <a:spLocks noChangeArrowheads="1"/>
+          </p:cNvSpPr>
+          <p:nvPr/>
+        </p:nvSpPr>
+        <p:spPr bwMode="auto">
+          <a:xfrm>
+            <a:off x="231777" y="394726"/>
+            <a:ext cx="8607425" cy="762000"/>
+          </a:xfrm>
+          <a:prstGeom prst="rect">
+            <a:avLst/>
+          </a:prstGeom>
+          <a:noFill/>
+          <a:ln w="9525">
+            <a:noFill/>
+            <a:round/>
+            <a:headEnd/>
+            <a:tailEnd/>
+          </a:ln>
+        </p:spPr>
+        <p:txBody>
+          <a:bodyPr lIns="0" tIns="0" rIns="0" bIns="0" anchor="ctr"/>
+          <a:lstStyle/>
+          <a:p>
+            <a:pPr algn="ctr">
+              <a:tabLst>
+                <a:tab pos="0" algn="l"/>
+                <a:tab pos="914400" algn="l"/>
+                <a:tab pos="1828800" algn="l"/>
+                <a:tab pos="2743200" algn="l"/>
+                <a:tab pos="3657600" algn="l"/>
+                <a:tab pos="4572000" algn="l"/>
+                <a:tab pos="5486400" algn="l"/>
+                <a:tab pos="6400800" algn="l"/>
+                <a:tab pos="7315200" algn="l"/>
+                <a:tab pos="8229600" algn="l"/>
+                <a:tab pos="9144000" algn="l"/>
+                <a:tab pos="10058400" algn="l"/>
+              </a:tabLst>
+            </a:pPr>
+            <a:r>
+              <a:rPr lang="en-GB" sz="2800" dirty="0">
+                <a:solidFill>
+                  <a:srgbClr val="000000"/>
+                </a:solidFill>
+                <a:latin typeface="Times New Roman" pitchFamily="18" charset="0"/>
+              </a:rPr>
+              <a:t>Example: One Sample Hypothesis Testing for the Mean</a:t>
+            </a:r>
+          </a:p>
+        </p:txBody>
+      </p:sp>
+      <p:pic>
+        <p:nvPicPr>
+          <p:cNvPr id="7" name="Picture 6"/>
+          <p:cNvPicPr>
+            <a:picLocks noChangeAspect="1" noChangeArrowheads="1"/>
+          </p:cNvPicPr>
+          <p:nvPr/>
+        </p:nvPicPr>
+        <p:blipFill>
+          <a:blip r:embed="rId3" cstate="print"/>
+          <a:srcRect/>
+          <a:stretch>
+            <a:fillRect/>
+          </a:stretch>
+        </p:blipFill>
+        <p:spPr bwMode="auto">
+          <a:xfrm>
+            <a:off x="484188" y="76200"/>
+            <a:ext cx="8202612" cy="239712"/>
+          </a:xfrm>
+          <a:prstGeom prst="rect">
+            <a:avLst/>
+          </a:prstGeom>
+          <a:noFill/>
+          <a:ln w="9525">
+            <a:noFill/>
+            <a:round/>
+            <a:headEnd/>
+            <a:tailEnd/>
+          </a:ln>
+        </p:spPr>
+      </p:pic>
+      <p:sp>
+        <p:nvSpPr>
+          <p:cNvPr id="10" name="Rectangle 9"/>
+          <p:cNvSpPr/>
+          <p:nvPr/>
+        </p:nvSpPr>
+        <p:spPr>
+          <a:xfrm>
+            <a:off x="93578" y="1330523"/>
+            <a:ext cx="8996949" cy="2970044"/>
+          </a:xfrm>
+          <a:prstGeom prst="rect">
+            <a:avLst/>
+          </a:prstGeom>
+          <a:solidFill>
+            <a:srgbClr val="000C78"/>
+          </a:solidFill>
+        </p:spPr>
+        <p:txBody>
+          <a:bodyPr wrap="square">
+            <a:spAutoFit/>
+          </a:bodyPr>
+          <a:lstStyle/>
+          <a:p>
+            <a:r>
+              <a:rPr lang="en-US" sz="1100" dirty="0">
+                <a:solidFill>
+                  <a:srgbClr val="FF0000"/>
+                </a:solidFill>
+                <a:latin typeface="Courier"/>
+                <a:cs typeface="Courier"/>
+              </a:rPr>
+              <a:t># Question of interest: Is there evidence that the mean mass is less than 50.000g ? </a:t>
+            </a:r>
+          </a:p>
+          <a:p>
+            <a:endParaRPr lang="en-US" sz="1100" dirty="0">
+              <a:solidFill>
+                <a:schemeClr val="bg1"/>
+              </a:solidFill>
+              <a:latin typeface="Courier"/>
+              <a:cs typeface="Courier"/>
+            </a:endParaRPr>
+          </a:p>
+          <a:p>
+            <a:r>
+              <a:rPr lang="en-US" sz="1100" dirty="0">
+                <a:solidFill>
+                  <a:schemeClr val="bg1"/>
+                </a:solidFill>
+                <a:latin typeface="Courier"/>
+                <a:cs typeface="Courier"/>
+              </a:rPr>
+              <a:t>x &lt;- c(49.9996,49.9994,49.9993,49.9996,49.9995,49.9995,49.9995,49.9994,49.9995,49.9994)</a:t>
+            </a:r>
+          </a:p>
+          <a:p>
+            <a:r>
+              <a:rPr lang="en-US" sz="1100" dirty="0">
+                <a:solidFill>
+                  <a:schemeClr val="bg1"/>
+                </a:solidFill>
+                <a:latin typeface="Courier"/>
+                <a:cs typeface="Courier"/>
+              </a:rPr>
+              <a:t>mean(x)</a:t>
+            </a:r>
+          </a:p>
+          <a:p>
+            <a:endParaRPr lang="en-US" sz="1100" dirty="0">
+              <a:solidFill>
+                <a:schemeClr val="bg1"/>
+              </a:solidFill>
+              <a:latin typeface="Courier"/>
+              <a:cs typeface="Courier"/>
+            </a:endParaRPr>
+          </a:p>
+          <a:p>
+            <a:r>
+              <a:rPr lang="en-US" sz="1100" dirty="0">
+                <a:solidFill>
+                  <a:srgbClr val="FF0000"/>
+                </a:solidFill>
+                <a:latin typeface="Courier"/>
+                <a:cs typeface="Courier"/>
+              </a:rPr>
+              <a:t># NULL HYPOTHESIS:</a:t>
+            </a:r>
+            <a:r>
+              <a:rPr lang="en-US" sz="1100" dirty="0">
+                <a:solidFill>
+                  <a:schemeClr val="bg1"/>
+                </a:solidFill>
+                <a:latin typeface="Courier"/>
+                <a:cs typeface="Courier"/>
+              </a:rPr>
+              <a:t>        </a:t>
+            </a:r>
+            <a:r>
+              <a:rPr lang="en-US" sz="1100" dirty="0">
+                <a:solidFill>
+                  <a:srgbClr val="FFFF00"/>
+                </a:solidFill>
+                <a:latin typeface="Courier"/>
+                <a:cs typeface="Courier"/>
+              </a:rPr>
+              <a:t>mu &gt;= 50.000g</a:t>
+            </a:r>
+          </a:p>
+          <a:p>
+            <a:r>
+              <a:rPr lang="en-US" sz="1100" dirty="0">
+                <a:solidFill>
+                  <a:srgbClr val="FF0000"/>
+                </a:solidFill>
+                <a:latin typeface="Courier"/>
+                <a:cs typeface="Courier"/>
+              </a:rPr>
+              <a:t># ALTERNATIVE HYPOTHESIS:</a:t>
+            </a:r>
+            <a:r>
+              <a:rPr lang="en-US" sz="1100" dirty="0">
+                <a:solidFill>
+                  <a:schemeClr val="bg1"/>
+                </a:solidFill>
+                <a:latin typeface="Courier"/>
+                <a:cs typeface="Courier"/>
+              </a:rPr>
+              <a:t> </a:t>
+            </a:r>
+            <a:r>
+              <a:rPr lang="en-US" sz="1100" dirty="0">
+                <a:solidFill>
+                  <a:srgbClr val="FFFF00"/>
+                </a:solidFill>
+                <a:latin typeface="Courier"/>
+                <a:cs typeface="Courier"/>
+              </a:rPr>
+              <a:t>mu &lt; 50.000g</a:t>
+            </a:r>
+          </a:p>
+          <a:p>
+            <a:endParaRPr lang="en-US" sz="1100" dirty="0">
+              <a:solidFill>
+                <a:schemeClr val="bg1"/>
+              </a:solidFill>
+              <a:latin typeface="Courier"/>
+              <a:cs typeface="Courier"/>
+            </a:endParaRPr>
+          </a:p>
+          <a:p>
+            <a:r>
+              <a:rPr lang="en-US" sz="1100" dirty="0" err="1">
+                <a:solidFill>
+                  <a:schemeClr val="bg1"/>
+                </a:solidFill>
+                <a:latin typeface="Courier"/>
+                <a:cs typeface="Courier"/>
+              </a:rPr>
+              <a:t>t.test</a:t>
+            </a:r>
+            <a:r>
+              <a:rPr lang="en-US" sz="1100" dirty="0">
+                <a:solidFill>
+                  <a:schemeClr val="bg1"/>
+                </a:solidFill>
+                <a:latin typeface="Courier"/>
+                <a:cs typeface="Courier"/>
+              </a:rPr>
+              <a:t>(x, alternative = </a:t>
+            </a:r>
+            <a:r>
+              <a:rPr lang="en-US" sz="1100" dirty="0">
+                <a:solidFill>
+                  <a:srgbClr val="00B050"/>
+                </a:solidFill>
+                <a:latin typeface="Courier"/>
+                <a:cs typeface="Courier"/>
+              </a:rPr>
+              <a:t>"less"</a:t>
+            </a:r>
+            <a:r>
+              <a:rPr lang="en-US" sz="1100" dirty="0">
+                <a:solidFill>
+                  <a:schemeClr val="bg1"/>
+                </a:solidFill>
+                <a:latin typeface="Courier"/>
+                <a:cs typeface="Courier"/>
+              </a:rPr>
+              <a:t>, mu = 50.000, </a:t>
+            </a:r>
+            <a:r>
+              <a:rPr lang="en-US" sz="1100" dirty="0" err="1">
+                <a:solidFill>
+                  <a:schemeClr val="bg1"/>
+                </a:solidFill>
+                <a:latin typeface="Courier"/>
+                <a:cs typeface="Courier"/>
+              </a:rPr>
+              <a:t>conf.level</a:t>
+            </a:r>
+            <a:r>
+              <a:rPr lang="en-US" sz="1100" dirty="0">
+                <a:solidFill>
+                  <a:schemeClr val="bg1"/>
+                </a:solidFill>
+                <a:latin typeface="Courier"/>
+                <a:cs typeface="Courier"/>
+              </a:rPr>
+              <a:t> = 0.95)</a:t>
+            </a:r>
+          </a:p>
+          <a:p>
+            <a:endParaRPr lang="en-US" sz="1100" dirty="0">
+              <a:solidFill>
+                <a:schemeClr val="bg1"/>
+              </a:solidFill>
+              <a:latin typeface="Courier"/>
+              <a:cs typeface="Courier"/>
+            </a:endParaRPr>
+          </a:p>
+          <a:p>
+            <a:r>
+              <a:rPr lang="en-US" sz="1100" dirty="0">
+                <a:solidFill>
+                  <a:srgbClr val="FFFF00"/>
+                </a:solidFill>
+                <a:latin typeface="Courier"/>
+                <a:cs typeface="Courier"/>
+              </a:rPr>
+              <a:t># The meaning of the output for </a:t>
+            </a:r>
+            <a:r>
+              <a:rPr lang="en-US" sz="1100" dirty="0" err="1">
+                <a:solidFill>
+                  <a:srgbClr val="FFFF00"/>
+                </a:solidFill>
+                <a:latin typeface="Courier"/>
+                <a:cs typeface="Courier"/>
+              </a:rPr>
+              <a:t>t.test</a:t>
+            </a:r>
+            <a:r>
+              <a:rPr lang="en-US" sz="1100" dirty="0">
+                <a:solidFill>
+                  <a:srgbClr val="FFFF00"/>
+                </a:solidFill>
+                <a:latin typeface="Courier"/>
+                <a:cs typeface="Courier"/>
+              </a:rPr>
+              <a:t>: </a:t>
+            </a:r>
+          </a:p>
+          <a:p>
+            <a:endParaRPr lang="en-US" sz="1100" dirty="0">
+              <a:solidFill>
+                <a:srgbClr val="FFFF00"/>
+              </a:solidFill>
+              <a:latin typeface="Courier"/>
+              <a:cs typeface="Courier"/>
+            </a:endParaRPr>
+          </a:p>
+          <a:p>
+            <a:r>
+              <a:rPr lang="en-US" sz="1100" dirty="0">
+                <a:solidFill>
+                  <a:srgbClr val="FFFF00"/>
+                </a:solidFill>
+                <a:latin typeface="Courier"/>
+                <a:cs typeface="Courier"/>
+              </a:rPr>
+              <a:t># Can we REJECT the NULL HYPOTHESIS? =&gt; Is there evidence that the mean mass is less than 50.000g?</a:t>
+            </a:r>
+          </a:p>
+          <a:p>
+            <a:r>
+              <a:rPr lang="en-US" sz="1100" dirty="0">
+                <a:solidFill>
+                  <a:srgbClr val="FFFF00"/>
+                </a:solidFill>
+                <a:latin typeface="Courier"/>
+                <a:cs typeface="Courier"/>
+              </a:rPr>
+              <a:t># p-value = 1.352e-08</a:t>
+            </a:r>
+          </a:p>
+          <a:p>
+            <a:r>
+              <a:rPr lang="en-US" sz="1100" dirty="0">
+                <a:solidFill>
+                  <a:srgbClr val="FFFF00"/>
+                </a:solidFill>
+                <a:latin typeface="Courier"/>
+                <a:cs typeface="Courier"/>
+              </a:rPr>
+              <a:t># So p &lt; 0.05. REJECT the NULL HYPOTHESIS. The data is "unlikely" under the null.</a:t>
+            </a:r>
+          </a:p>
+          <a:p>
+            <a:r>
+              <a:rPr lang="en-US" sz="1100" dirty="0">
+                <a:solidFill>
+                  <a:srgbClr val="FFFF00"/>
+                </a:solidFill>
+                <a:latin typeface="Courier"/>
+                <a:cs typeface="Courier"/>
+              </a:rPr>
+              <a:t># Another </a:t>
+            </a:r>
+            <a:r>
+              <a:rPr lang="en-US" sz="1100" dirty="0" err="1">
+                <a:solidFill>
+                  <a:srgbClr val="FFFF00"/>
+                </a:solidFill>
+                <a:latin typeface="Courier"/>
+                <a:cs typeface="Courier"/>
+              </a:rPr>
+              <a:t>interperitation</a:t>
+            </a:r>
+            <a:r>
+              <a:rPr lang="en-US" sz="1100" dirty="0">
+                <a:solidFill>
+                  <a:srgbClr val="FFFF00"/>
+                </a:solidFill>
+                <a:latin typeface="Courier"/>
+                <a:cs typeface="Courier"/>
+              </a:rPr>
+              <a:t>: If the Null were true, we wouldn't see data like this too often.</a:t>
+            </a:r>
+          </a:p>
+          <a:p>
+            <a:r>
+              <a:rPr lang="en-US" sz="1100" dirty="0">
+                <a:solidFill>
+                  <a:srgbClr val="FFFF00"/>
+                </a:solidFill>
+                <a:latin typeface="Courier"/>
+                <a:cs typeface="Courier"/>
+              </a:rPr>
+              <a:t># BUT: We CANNOT SAY that the data is more likely under the Alternative hypothesis.</a:t>
+            </a:r>
+          </a:p>
+        </p:txBody>
+      </p:sp>
+      <p:sp>
+        <p:nvSpPr>
+          <p:cNvPr id="11" name="Rectangle 10"/>
+          <p:cNvSpPr/>
+          <p:nvPr/>
+        </p:nvSpPr>
+        <p:spPr>
+          <a:xfrm>
+            <a:off x="3578637" y="6031673"/>
+            <a:ext cx="1983235" cy="369332"/>
+          </a:xfrm>
+          <a:prstGeom prst="rect">
+            <a:avLst/>
+          </a:prstGeom>
+        </p:spPr>
+        <p:txBody>
+          <a:bodyPr wrap="none">
+            <a:spAutoFit/>
+          </a:bodyPr>
+          <a:lstStyle/>
+          <a:p>
+            <a:r>
+              <a:rPr lang="en-US" dirty="0">
+                <a:latin typeface="Symbol" charset="2"/>
+                <a:cs typeface="Symbol" charset="2"/>
+              </a:rPr>
+              <a:t>H</a:t>
+            </a:r>
+            <a:r>
+              <a:rPr lang="en-US" baseline="-25000" dirty="0">
+                <a:latin typeface="Symbol" charset="2"/>
+                <a:cs typeface="Symbol" charset="2"/>
+              </a:rPr>
+              <a:t>0</a:t>
+            </a:r>
+            <a:r>
+              <a:rPr lang="en-US" dirty="0">
+                <a:latin typeface="Symbol" charset="2"/>
+                <a:cs typeface="Symbol" charset="2"/>
+              </a:rPr>
+              <a:t>: </a:t>
+            </a:r>
+            <a:r>
+              <a:rPr lang="en-US" dirty="0" err="1">
+                <a:latin typeface="Symbol" charset="2"/>
+                <a:cs typeface="Symbol" charset="2"/>
+              </a:rPr>
+              <a:t>m</a:t>
+            </a:r>
+            <a:r>
+              <a:rPr lang="en-US" baseline="-25000" dirty="0" err="1">
+                <a:latin typeface="Times New Roman"/>
+                <a:cs typeface="Times New Roman"/>
+              </a:rPr>
+              <a:t>mass</a:t>
+            </a:r>
+            <a:r>
+              <a:rPr lang="en-US" dirty="0">
+                <a:latin typeface="Times New Roman"/>
+                <a:cs typeface="Times New Roman"/>
+              </a:rPr>
+              <a:t> ≥ 50.000g</a:t>
+            </a:r>
+            <a:endParaRPr lang="en-US" dirty="0"/>
+          </a:p>
+        </p:txBody>
+      </p:sp>
+      <p:sp>
+        <p:nvSpPr>
+          <p:cNvPr id="12" name="Rectangle 11"/>
+          <p:cNvSpPr/>
+          <p:nvPr/>
+        </p:nvSpPr>
+        <p:spPr>
+          <a:xfrm>
+            <a:off x="3600644" y="6435196"/>
+            <a:ext cx="1978088" cy="369332"/>
+          </a:xfrm>
+          <a:prstGeom prst="rect">
+            <a:avLst/>
+          </a:prstGeom>
+        </p:spPr>
+        <p:txBody>
+          <a:bodyPr wrap="none">
+            <a:spAutoFit/>
+          </a:bodyPr>
+          <a:lstStyle/>
+          <a:p>
+            <a:r>
+              <a:rPr lang="en-US" dirty="0">
+                <a:latin typeface="Symbol" charset="2"/>
+                <a:cs typeface="Symbol" charset="2"/>
+              </a:rPr>
+              <a:t>H</a:t>
+            </a:r>
+            <a:r>
+              <a:rPr lang="en-US" baseline="-25000" dirty="0">
+                <a:latin typeface="Times New Roman"/>
+                <a:cs typeface="Times New Roman"/>
+              </a:rPr>
+              <a:t>a</a:t>
+            </a:r>
+            <a:r>
+              <a:rPr lang="en-US" dirty="0">
+                <a:latin typeface="Symbol" charset="2"/>
+                <a:cs typeface="Symbol" charset="2"/>
+              </a:rPr>
+              <a:t>: </a:t>
+            </a:r>
+            <a:r>
+              <a:rPr lang="en-US" dirty="0" err="1">
+                <a:latin typeface="Symbol" charset="2"/>
+                <a:cs typeface="Symbol" charset="2"/>
+              </a:rPr>
+              <a:t>m</a:t>
+            </a:r>
+            <a:r>
+              <a:rPr lang="en-US" baseline="-25000" dirty="0" err="1">
+                <a:latin typeface="Times New Roman"/>
+                <a:cs typeface="Times New Roman"/>
+              </a:rPr>
+              <a:t>mass</a:t>
+            </a:r>
+            <a:r>
+              <a:rPr lang="en-US" dirty="0">
+                <a:latin typeface="Times New Roman"/>
+                <a:cs typeface="Times New Roman"/>
+              </a:rPr>
+              <a:t> &lt; 50.000g</a:t>
+            </a:r>
+            <a:endParaRPr lang="en-US" dirty="0"/>
+          </a:p>
+        </p:txBody>
+      </p:sp>
+    </p:spTree>
+    <p:extLst>
+      <p:ext uri="{BB962C8B-B14F-4D97-AF65-F5344CB8AC3E}">
+        <p14:creationId xmlns:p14="http://schemas.microsoft.com/office/powerpoint/2010/main" val="2688309288"/>
+      </p:ext>
+    </p:extLst>
+  </p:cSld>
+  <p:clrMapOvr>
+    <a:masterClrMapping/>
+  </p:clrMapOvr>
+</p:sld>
+</file>
+
+<file path=ppt/slides/slide18.xml><?xml version="1.0" encoding="utf-8"?>
+<p:sld xmlns:a="http://schemas.openxmlformats.org/drawingml/2006/main" xmlns:r="http://schemas.openxmlformats.org/officeDocument/2006/relationships" xmlns:p="http://schemas.openxmlformats.org/presentationml/2006/main">
+  <p:cSld>
+    <p:spTree>
+      <p:nvGrpSpPr>
+        <p:cNvPr id="1" name=""/>
+        <p:cNvGrpSpPr/>
+        <p:nvPr/>
+      </p:nvGrpSpPr>
+      <p:grpSpPr>
+        <a:xfrm>
+          <a:off x="0" y="0"/>
+          <a:ext cx="0" cy="0"/>
+          <a:chOff x="0" y="0"/>
+          <a:chExt cx="0" cy="0"/>
+        </a:xfrm>
+      </p:grpSpPr>
+      <p:sp>
+        <p:nvSpPr>
+          <p:cNvPr id="6" name="Rectangle 4"/>
+          <p:cNvSpPr>
+            <a:spLocks noChangeArrowheads="1"/>
+          </p:cNvSpPr>
+          <p:nvPr/>
+        </p:nvSpPr>
+        <p:spPr bwMode="auto">
+          <a:xfrm>
+            <a:off x="231777" y="394726"/>
+            <a:ext cx="8607425" cy="762000"/>
+          </a:xfrm>
+          <a:prstGeom prst="rect">
+            <a:avLst/>
+          </a:prstGeom>
+          <a:noFill/>
+          <a:ln w="9525">
+            <a:noFill/>
+            <a:round/>
+            <a:headEnd/>
+            <a:tailEnd/>
+          </a:ln>
+        </p:spPr>
+        <p:txBody>
+          <a:bodyPr lIns="0" tIns="0" rIns="0" bIns="0" anchor="ctr"/>
+          <a:lstStyle/>
+          <a:p>
+            <a:pPr algn="ctr">
+              <a:tabLst>
+                <a:tab pos="0" algn="l"/>
+                <a:tab pos="914400" algn="l"/>
+                <a:tab pos="1828800" algn="l"/>
+                <a:tab pos="2743200" algn="l"/>
+                <a:tab pos="3657600" algn="l"/>
+                <a:tab pos="4572000" algn="l"/>
+                <a:tab pos="5486400" algn="l"/>
+                <a:tab pos="6400800" algn="l"/>
+                <a:tab pos="7315200" algn="l"/>
+                <a:tab pos="8229600" algn="l"/>
+                <a:tab pos="9144000" algn="l"/>
+                <a:tab pos="10058400" algn="l"/>
+              </a:tabLst>
+            </a:pPr>
+            <a:r>
+              <a:rPr lang="en-GB" sz="2800" dirty="0">
+                <a:solidFill>
+                  <a:srgbClr val="000000"/>
+                </a:solidFill>
+                <a:latin typeface="Times New Roman" pitchFamily="18" charset="0"/>
+              </a:rPr>
+              <a:t>Example: One Sample Hypothesis Testing for the Mean</a:t>
+            </a:r>
+          </a:p>
+        </p:txBody>
+      </p:sp>
+      <p:pic>
+        <p:nvPicPr>
+          <p:cNvPr id="7" name="Picture 6"/>
+          <p:cNvPicPr>
+            <a:picLocks noChangeAspect="1" noChangeArrowheads="1"/>
+          </p:cNvPicPr>
+          <p:nvPr/>
+        </p:nvPicPr>
+        <p:blipFill>
+          <a:blip r:embed="rId3" cstate="print"/>
+          <a:srcRect/>
+          <a:stretch>
+            <a:fillRect/>
+          </a:stretch>
+        </p:blipFill>
+        <p:spPr bwMode="auto">
+          <a:xfrm>
+            <a:off x="484188" y="76200"/>
+            <a:ext cx="8202612" cy="239712"/>
+          </a:xfrm>
+          <a:prstGeom prst="rect">
+            <a:avLst/>
+          </a:prstGeom>
+          <a:noFill/>
+          <a:ln w="9525">
+            <a:noFill/>
+            <a:round/>
+            <a:headEnd/>
+            <a:tailEnd/>
+          </a:ln>
+        </p:spPr>
+      </p:pic>
+      <p:sp>
+        <p:nvSpPr>
+          <p:cNvPr id="10" name="Rectangle 9"/>
+          <p:cNvSpPr/>
+          <p:nvPr/>
+        </p:nvSpPr>
+        <p:spPr>
+          <a:xfrm>
+            <a:off x="93578" y="1330525"/>
+            <a:ext cx="8996949" cy="2800767"/>
+          </a:xfrm>
+          <a:prstGeom prst="rect">
+            <a:avLst/>
+          </a:prstGeom>
+          <a:solidFill>
+            <a:srgbClr val="000C78"/>
+          </a:solidFill>
+        </p:spPr>
+        <p:txBody>
+          <a:bodyPr wrap="square">
+            <a:spAutoFit/>
+          </a:bodyPr>
+          <a:lstStyle/>
+          <a:p>
+            <a:r>
+              <a:rPr lang="en-US" sz="1100" dirty="0">
+                <a:solidFill>
+                  <a:srgbClr val="FF0000"/>
+                </a:solidFill>
+                <a:latin typeface="Courier"/>
+                <a:cs typeface="Courier"/>
+              </a:rPr>
+              <a:t># Question of interest: Is there evidence that the mean mass is greater than or equal to 50.000g ? </a:t>
+            </a:r>
+          </a:p>
+          <a:p>
+            <a:endParaRPr lang="en-US" sz="1100" dirty="0">
+              <a:solidFill>
+                <a:schemeClr val="bg1"/>
+              </a:solidFill>
+              <a:latin typeface="Courier"/>
+              <a:cs typeface="Courier"/>
+            </a:endParaRPr>
+          </a:p>
+          <a:p>
+            <a:r>
+              <a:rPr lang="en-US" sz="1100" dirty="0">
+                <a:solidFill>
+                  <a:schemeClr val="bg1"/>
+                </a:solidFill>
+                <a:latin typeface="Courier"/>
+                <a:cs typeface="Courier"/>
+              </a:rPr>
+              <a:t>x &lt;- c(49.9996,49.9994,49.9993,49.9996,49.9995,49.9995,49.9995,49.9994,49.9995,49.9994)</a:t>
+            </a:r>
+          </a:p>
+          <a:p>
+            <a:r>
+              <a:rPr lang="en-US" sz="1100" dirty="0">
+                <a:solidFill>
+                  <a:schemeClr val="bg1"/>
+                </a:solidFill>
+                <a:latin typeface="Courier"/>
+                <a:cs typeface="Courier"/>
+              </a:rPr>
+              <a:t>mean(x)</a:t>
+            </a:r>
+          </a:p>
+          <a:p>
+            <a:endParaRPr lang="en-US" sz="1100" dirty="0">
+              <a:solidFill>
+                <a:schemeClr val="bg1"/>
+              </a:solidFill>
+              <a:latin typeface="Courier"/>
+              <a:cs typeface="Courier"/>
+            </a:endParaRPr>
+          </a:p>
+          <a:p>
+            <a:r>
+              <a:rPr lang="en-US" sz="1100" dirty="0">
+                <a:solidFill>
+                  <a:srgbClr val="FF0000"/>
+                </a:solidFill>
+                <a:latin typeface="Courier"/>
+                <a:cs typeface="Courier"/>
+              </a:rPr>
+              <a:t># NULL HYPOTHESIS:</a:t>
+            </a:r>
+            <a:r>
+              <a:rPr lang="en-US" sz="1100" dirty="0">
+                <a:solidFill>
+                  <a:schemeClr val="bg1"/>
+                </a:solidFill>
+                <a:latin typeface="Courier"/>
+                <a:cs typeface="Courier"/>
+              </a:rPr>
+              <a:t>        </a:t>
+            </a:r>
+            <a:r>
+              <a:rPr lang="en-US" sz="1100" dirty="0">
+                <a:solidFill>
+                  <a:srgbClr val="FFFF00"/>
+                </a:solidFill>
+                <a:latin typeface="Courier"/>
+                <a:cs typeface="Courier"/>
+              </a:rPr>
+              <a:t>mu &lt;= 50.000g  Assumes the opposite of what you seek evidence for.</a:t>
+            </a:r>
+          </a:p>
+          <a:p>
+            <a:r>
+              <a:rPr lang="en-US" sz="1100" dirty="0">
+                <a:solidFill>
+                  <a:srgbClr val="FF0000"/>
+                </a:solidFill>
+                <a:latin typeface="Courier"/>
+                <a:cs typeface="Courier"/>
+              </a:rPr>
+              <a:t># ALTERNATIVE HYPOTHESIS:</a:t>
+            </a:r>
+            <a:r>
+              <a:rPr lang="en-US" sz="1100" dirty="0">
+                <a:solidFill>
+                  <a:schemeClr val="bg1"/>
+                </a:solidFill>
+                <a:latin typeface="Courier"/>
+                <a:cs typeface="Courier"/>
+              </a:rPr>
+              <a:t> </a:t>
+            </a:r>
+            <a:r>
+              <a:rPr lang="en-US" sz="1100" dirty="0">
+                <a:solidFill>
+                  <a:srgbClr val="FFFF00"/>
+                </a:solidFill>
+                <a:latin typeface="Courier"/>
+                <a:cs typeface="Courier"/>
+              </a:rPr>
+              <a:t>mu &gt; 50.000g</a:t>
+            </a:r>
+          </a:p>
+          <a:p>
+            <a:endParaRPr lang="en-US" sz="1100" dirty="0">
+              <a:solidFill>
+                <a:schemeClr val="bg1"/>
+              </a:solidFill>
+              <a:latin typeface="Courier"/>
+              <a:cs typeface="Courier"/>
+            </a:endParaRPr>
+          </a:p>
+          <a:p>
+            <a:r>
+              <a:rPr lang="en-US" sz="1100" dirty="0" err="1">
+                <a:solidFill>
+                  <a:schemeClr val="bg1"/>
+                </a:solidFill>
+                <a:latin typeface="Courier"/>
+                <a:cs typeface="Courier"/>
+              </a:rPr>
+              <a:t>t.test</a:t>
+            </a:r>
+            <a:r>
+              <a:rPr lang="en-US" sz="1100" dirty="0">
+                <a:solidFill>
+                  <a:schemeClr val="bg1"/>
+                </a:solidFill>
+                <a:latin typeface="Courier"/>
+                <a:cs typeface="Courier"/>
+              </a:rPr>
+              <a:t>(x, alternative = </a:t>
+            </a:r>
+            <a:r>
+              <a:rPr lang="en-US" sz="1100" dirty="0">
+                <a:solidFill>
+                  <a:srgbClr val="00B050"/>
+                </a:solidFill>
+                <a:latin typeface="Courier"/>
+                <a:cs typeface="Courier"/>
+              </a:rPr>
+              <a:t>"greater"</a:t>
+            </a:r>
+            <a:r>
+              <a:rPr lang="en-US" sz="1100" dirty="0">
+                <a:solidFill>
+                  <a:schemeClr val="bg1"/>
+                </a:solidFill>
+                <a:latin typeface="Courier"/>
+                <a:cs typeface="Courier"/>
+              </a:rPr>
+              <a:t>, mu = 50.000, </a:t>
+            </a:r>
+            <a:r>
+              <a:rPr lang="en-US" sz="1100" dirty="0" err="1">
+                <a:solidFill>
+                  <a:schemeClr val="bg1"/>
+                </a:solidFill>
+                <a:latin typeface="Courier"/>
+                <a:cs typeface="Courier"/>
+              </a:rPr>
+              <a:t>conf.level</a:t>
+            </a:r>
+            <a:r>
+              <a:rPr lang="en-US" sz="1100" dirty="0">
+                <a:solidFill>
+                  <a:schemeClr val="bg1"/>
+                </a:solidFill>
+                <a:latin typeface="Courier"/>
+                <a:cs typeface="Courier"/>
+              </a:rPr>
+              <a:t> = 0.95)</a:t>
+            </a:r>
+          </a:p>
+          <a:p>
+            <a:endParaRPr lang="en-US" sz="1100" dirty="0">
+              <a:solidFill>
+                <a:schemeClr val="bg1"/>
+              </a:solidFill>
+              <a:latin typeface="Courier"/>
+              <a:cs typeface="Courier"/>
+            </a:endParaRPr>
+          </a:p>
+          <a:p>
+            <a:r>
+              <a:rPr lang="en-US" sz="1100" dirty="0">
+                <a:solidFill>
+                  <a:srgbClr val="FFFF00"/>
+                </a:solidFill>
+                <a:latin typeface="Courier"/>
+                <a:cs typeface="Courier"/>
+              </a:rPr>
+              <a:t># The meaning of the output for </a:t>
+            </a:r>
+            <a:r>
+              <a:rPr lang="en-US" sz="1100" dirty="0" err="1">
+                <a:solidFill>
+                  <a:srgbClr val="FFFF00"/>
+                </a:solidFill>
+                <a:latin typeface="Courier"/>
+                <a:cs typeface="Courier"/>
+              </a:rPr>
+              <a:t>t.test</a:t>
+            </a:r>
+            <a:r>
+              <a:rPr lang="en-US" sz="1100" dirty="0">
+                <a:solidFill>
+                  <a:srgbClr val="FFFF00"/>
+                </a:solidFill>
+                <a:latin typeface="Courier"/>
+                <a:cs typeface="Courier"/>
+              </a:rPr>
+              <a:t>: </a:t>
+            </a:r>
+          </a:p>
+          <a:p>
+            <a:endParaRPr lang="en-US" sz="1100" dirty="0">
+              <a:solidFill>
+                <a:srgbClr val="FFFF00"/>
+              </a:solidFill>
+              <a:latin typeface="Courier"/>
+              <a:cs typeface="Courier"/>
+            </a:endParaRPr>
+          </a:p>
+          <a:p>
+            <a:r>
+              <a:rPr lang="en-US" sz="1100" dirty="0">
+                <a:solidFill>
+                  <a:srgbClr val="FFFF00"/>
+                </a:solidFill>
+                <a:latin typeface="Courier"/>
+                <a:cs typeface="Courier"/>
+              </a:rPr>
+              <a:t># Can we REJECT the NULL HYPOTHESIS? =&gt; Is there evidence that the mean mass is greater than 50.000g?</a:t>
+            </a:r>
+          </a:p>
+          <a:p>
+            <a:r>
+              <a:rPr lang="en-US" sz="1100" dirty="0">
+                <a:solidFill>
+                  <a:srgbClr val="FFFF00"/>
+                </a:solidFill>
+                <a:latin typeface="Courier"/>
+                <a:cs typeface="Courier"/>
+              </a:rPr>
+              <a:t># p-value = 1 (Wow!)</a:t>
+            </a:r>
+          </a:p>
+          <a:p>
+            <a:r>
+              <a:rPr lang="en-US" sz="1100" dirty="0">
+                <a:solidFill>
+                  <a:srgbClr val="FFFF00"/>
+                </a:solidFill>
+                <a:latin typeface="Courier"/>
+                <a:cs typeface="Courier"/>
+              </a:rPr>
+              <a:t># So p is not &lt; 0.05. CANNOT REJECT the NULL HYPOTHESIS. The data is "likely" under the null.</a:t>
+            </a:r>
+          </a:p>
+          <a:p>
+            <a:r>
+              <a:rPr lang="en-US" sz="1100" dirty="0">
+                <a:solidFill>
+                  <a:srgbClr val="FFFF00"/>
+                </a:solidFill>
+                <a:latin typeface="Courier"/>
+                <a:cs typeface="Courier"/>
+              </a:rPr>
+              <a:t># Another </a:t>
+            </a:r>
+            <a:r>
+              <a:rPr lang="en-US" sz="1100" dirty="0" err="1">
+                <a:solidFill>
+                  <a:srgbClr val="FFFF00"/>
+                </a:solidFill>
+                <a:latin typeface="Courier"/>
+                <a:cs typeface="Courier"/>
+              </a:rPr>
+              <a:t>interperitation</a:t>
+            </a:r>
+            <a:r>
+              <a:rPr lang="en-US" sz="1100" dirty="0">
+                <a:solidFill>
+                  <a:srgbClr val="FFFF00"/>
+                </a:solidFill>
+                <a:latin typeface="Courier"/>
+                <a:cs typeface="Courier"/>
+              </a:rPr>
+              <a:t>: If the Null were true, we would see data like this often.</a:t>
+            </a:r>
+          </a:p>
+        </p:txBody>
+      </p:sp>
+      <p:sp>
+        <p:nvSpPr>
+          <p:cNvPr id="11" name="Rectangle 10"/>
+          <p:cNvSpPr/>
+          <p:nvPr/>
+        </p:nvSpPr>
+        <p:spPr>
+          <a:xfrm>
+            <a:off x="3444952" y="6262178"/>
+            <a:ext cx="1978427" cy="369332"/>
+          </a:xfrm>
+          <a:prstGeom prst="rect">
+            <a:avLst/>
+          </a:prstGeom>
+        </p:spPr>
+        <p:txBody>
+          <a:bodyPr wrap="none">
+            <a:spAutoFit/>
+          </a:bodyPr>
+          <a:lstStyle/>
+          <a:p>
+            <a:r>
+              <a:rPr lang="en-US" dirty="0">
+                <a:latin typeface="Symbol" charset="2"/>
+                <a:cs typeface="Symbol" charset="2"/>
+              </a:rPr>
+              <a:t>H</a:t>
+            </a:r>
+            <a:r>
+              <a:rPr lang="en-US" baseline="-25000" dirty="0">
+                <a:latin typeface="Times New Roman"/>
+                <a:cs typeface="Times New Roman"/>
+              </a:rPr>
+              <a:t>a</a:t>
+            </a:r>
+            <a:r>
+              <a:rPr lang="en-US" dirty="0">
+                <a:latin typeface="Symbol" charset="2"/>
+                <a:cs typeface="Symbol" charset="2"/>
+              </a:rPr>
+              <a:t>: </a:t>
+            </a:r>
+            <a:r>
+              <a:rPr lang="en-US" dirty="0" err="1">
+                <a:latin typeface="Symbol" charset="2"/>
+                <a:cs typeface="Symbol" charset="2"/>
+              </a:rPr>
+              <a:t>m</a:t>
+            </a:r>
+            <a:r>
+              <a:rPr lang="en-US" baseline="-25000" dirty="0" err="1">
+                <a:latin typeface="Times New Roman"/>
+                <a:cs typeface="Times New Roman"/>
+              </a:rPr>
+              <a:t>mass</a:t>
+            </a:r>
+            <a:r>
+              <a:rPr lang="en-US" dirty="0">
+                <a:latin typeface="Times New Roman"/>
+                <a:cs typeface="Times New Roman"/>
+              </a:rPr>
+              <a:t> &gt; 50.000g</a:t>
+            </a:r>
+            <a:endParaRPr lang="en-US" dirty="0"/>
+          </a:p>
+        </p:txBody>
+      </p:sp>
+      <p:sp>
+        <p:nvSpPr>
+          <p:cNvPr id="12" name="Rectangle 11"/>
+          <p:cNvSpPr/>
+          <p:nvPr/>
+        </p:nvSpPr>
+        <p:spPr>
+          <a:xfrm>
+            <a:off x="3436936" y="5934699"/>
+            <a:ext cx="1983235" cy="369332"/>
+          </a:xfrm>
+          <a:prstGeom prst="rect">
+            <a:avLst/>
+          </a:prstGeom>
+        </p:spPr>
+        <p:txBody>
+          <a:bodyPr wrap="none">
+            <a:spAutoFit/>
+          </a:bodyPr>
+          <a:lstStyle/>
+          <a:p>
+            <a:r>
+              <a:rPr lang="en-US" dirty="0">
+                <a:latin typeface="Symbol" charset="2"/>
+                <a:cs typeface="Symbol" charset="2"/>
+              </a:rPr>
+              <a:t>H</a:t>
+            </a:r>
+            <a:r>
+              <a:rPr lang="en-US" baseline="-25000" dirty="0">
+                <a:latin typeface="Symbol" charset="2"/>
+                <a:cs typeface="Symbol" charset="2"/>
+              </a:rPr>
+              <a:t>0</a:t>
+            </a:r>
+            <a:r>
+              <a:rPr lang="en-US" dirty="0">
+                <a:latin typeface="Symbol" charset="2"/>
+                <a:cs typeface="Symbol" charset="2"/>
+              </a:rPr>
+              <a:t>: </a:t>
+            </a:r>
+            <a:r>
+              <a:rPr lang="en-US" dirty="0" err="1">
+                <a:latin typeface="Symbol" charset="2"/>
+                <a:cs typeface="Symbol" charset="2"/>
+              </a:rPr>
+              <a:t>m</a:t>
+            </a:r>
+            <a:r>
+              <a:rPr lang="en-US" baseline="-25000" dirty="0" err="1">
+                <a:latin typeface="Times New Roman"/>
+                <a:cs typeface="Times New Roman"/>
+              </a:rPr>
+              <a:t>mass</a:t>
+            </a:r>
+            <a:r>
+              <a:rPr lang="en-US" dirty="0">
+                <a:latin typeface="Times New Roman"/>
+                <a:cs typeface="Times New Roman"/>
+              </a:rPr>
+              <a:t> ≤ 50.000g</a:t>
+            </a:r>
+            <a:endParaRPr lang="en-US" dirty="0"/>
+          </a:p>
+        </p:txBody>
+      </p:sp>
+    </p:spTree>
+    <p:extLst>
+      <p:ext uri="{BB962C8B-B14F-4D97-AF65-F5344CB8AC3E}">
+        <p14:creationId xmlns:p14="http://schemas.microsoft.com/office/powerpoint/2010/main" val="2988834577"/>
+      </p:ext>
+    </p:extLst>
+  </p:cSld>
+  <p:clrMapOvr>
+    <a:masterClrMapping/>
+  </p:clrMapOvr>
+</p:sld>
+</file>
+
+<file path=ppt/slides/slide19.xml><?xml version="1.0" encoding="utf-8"?>
+<p:sld xmlns:a="http://schemas.openxmlformats.org/drawingml/2006/main" xmlns:r="http://schemas.openxmlformats.org/officeDocument/2006/relationships" xmlns:p="http://schemas.openxmlformats.org/presentationml/2006/main">
+  <p:cSld>
+    <p:spTree>
+      <p:nvGrpSpPr>
+        <p:cNvPr id="1" name=""/>
+        <p:cNvGrpSpPr/>
+        <p:nvPr/>
+      </p:nvGrpSpPr>
+      <p:grpSpPr>
+        <a:xfrm>
+          <a:off x="0" y="0"/>
+          <a:ext cx="0" cy="0"/>
+          <a:chOff x="0" y="0"/>
+          <a:chExt cx="0" cy="0"/>
+        </a:xfrm>
+      </p:grpSpPr>
+      <p:sp>
+        <p:nvSpPr>
+          <p:cNvPr id="2" name="Rectangle 1"/>
+          <p:cNvSpPr/>
+          <p:nvPr/>
+        </p:nvSpPr>
+        <p:spPr>
+          <a:xfrm>
+            <a:off x="564396" y="1417672"/>
+            <a:ext cx="8202612" cy="461665"/>
+          </a:xfrm>
+          <a:prstGeom prst="rect">
+            <a:avLst/>
+          </a:prstGeom>
+        </p:spPr>
+        <p:txBody>
+          <a:bodyPr wrap="square">
+            <a:spAutoFit/>
+          </a:bodyPr>
+          <a:lstStyle/>
+          <a:p>
+            <a:r>
+              <a:rPr lang="en-US" sz="2400" dirty="0">
+                <a:latin typeface="Times New Roman"/>
+                <a:cs typeface="Times New Roman"/>
+              </a:rPr>
+              <a:t>Could the two sets of glass shards be from the same window?</a:t>
+            </a:r>
+          </a:p>
+        </p:txBody>
+      </p:sp>
+      <p:sp>
+        <p:nvSpPr>
+          <p:cNvPr id="4" name="Rectangle 3"/>
+          <p:cNvSpPr/>
+          <p:nvPr/>
+        </p:nvSpPr>
+        <p:spPr>
+          <a:xfrm>
+            <a:off x="2" y="2205571"/>
+            <a:ext cx="9070975" cy="369332"/>
+          </a:xfrm>
+          <a:prstGeom prst="rect">
+            <a:avLst/>
+          </a:prstGeom>
+        </p:spPr>
+        <p:txBody>
+          <a:bodyPr wrap="square">
+            <a:spAutoFit/>
+          </a:bodyPr>
+          <a:lstStyle/>
+          <a:p>
+            <a:r>
+              <a:rPr lang="en-US" dirty="0">
+                <a:latin typeface="Times New Roman"/>
+                <a:cs typeface="Times New Roman"/>
+              </a:rPr>
+              <a:t>RIs # 1: 1.53419 1.53275 1.53345 1.53267 1.53292 1.53332 1.53464 1.53299 1.53430 1.53550</a:t>
+            </a:r>
+          </a:p>
+        </p:txBody>
+      </p:sp>
+      <p:sp>
+        <p:nvSpPr>
+          <p:cNvPr id="6" name="Rectangle 4"/>
+          <p:cNvSpPr>
+            <a:spLocks noChangeArrowheads="1"/>
+          </p:cNvSpPr>
+          <p:nvPr/>
+        </p:nvSpPr>
+        <p:spPr bwMode="auto">
+          <a:xfrm>
+            <a:off x="231777" y="394726"/>
+            <a:ext cx="8607425" cy="762000"/>
+          </a:xfrm>
+          <a:prstGeom prst="rect">
+            <a:avLst/>
+          </a:prstGeom>
+          <a:noFill/>
+          <a:ln w="9525">
+            <a:noFill/>
+            <a:round/>
+            <a:headEnd/>
+            <a:tailEnd/>
+          </a:ln>
+        </p:spPr>
+        <p:txBody>
+          <a:bodyPr lIns="0" tIns="0" rIns="0" bIns="0" anchor="ctr"/>
+          <a:lstStyle/>
+          <a:p>
+            <a:pPr algn="ctr">
+              <a:tabLst>
+                <a:tab pos="0" algn="l"/>
+                <a:tab pos="914400" algn="l"/>
+                <a:tab pos="1828800" algn="l"/>
+                <a:tab pos="2743200" algn="l"/>
+                <a:tab pos="3657600" algn="l"/>
+                <a:tab pos="4572000" algn="l"/>
+                <a:tab pos="5486400" algn="l"/>
+                <a:tab pos="6400800" algn="l"/>
+                <a:tab pos="7315200" algn="l"/>
+                <a:tab pos="8229600" algn="l"/>
+                <a:tab pos="9144000" algn="l"/>
+                <a:tab pos="10058400" algn="l"/>
+              </a:tabLst>
+            </a:pPr>
+            <a:r>
+              <a:rPr lang="en-GB" sz="2800" dirty="0">
+                <a:solidFill>
+                  <a:srgbClr val="000000"/>
+                </a:solidFill>
+                <a:latin typeface="Times New Roman" pitchFamily="18" charset="0"/>
+              </a:rPr>
+              <a:t>Example: Two Sample Hypothesis Testing for the Mean</a:t>
+            </a:r>
+          </a:p>
+        </p:txBody>
+      </p:sp>
+      <p:pic>
+        <p:nvPicPr>
+          <p:cNvPr id="7" name="Picture 6"/>
+          <p:cNvPicPr>
+            <a:picLocks noChangeAspect="1" noChangeArrowheads="1"/>
+          </p:cNvPicPr>
+          <p:nvPr/>
+        </p:nvPicPr>
+        <p:blipFill>
+          <a:blip r:embed="rId2" cstate="print"/>
+          <a:srcRect/>
+          <a:stretch>
+            <a:fillRect/>
+          </a:stretch>
+        </p:blipFill>
+        <p:spPr bwMode="auto">
+          <a:xfrm>
+            <a:off x="484188" y="76200"/>
+            <a:ext cx="8202612" cy="239712"/>
+          </a:xfrm>
+          <a:prstGeom prst="rect">
+            <a:avLst/>
+          </a:prstGeom>
+          <a:noFill/>
+          <a:ln w="9525">
+            <a:noFill/>
+            <a:round/>
+            <a:headEnd/>
+            <a:tailEnd/>
+          </a:ln>
+        </p:spPr>
+      </p:pic>
+      <p:sp>
+        <p:nvSpPr>
+          <p:cNvPr id="8" name="Rectangle 7"/>
+          <p:cNvSpPr/>
+          <p:nvPr/>
+        </p:nvSpPr>
+        <p:spPr>
+          <a:xfrm>
+            <a:off x="231494" y="4040044"/>
+            <a:ext cx="8686800" cy="400110"/>
+          </a:xfrm>
+          <a:prstGeom prst="rect">
+            <a:avLst/>
+          </a:prstGeom>
+        </p:spPr>
+        <p:txBody>
+          <a:bodyPr wrap="square">
+            <a:spAutoFit/>
+          </a:bodyPr>
+          <a:lstStyle/>
+          <a:p>
+            <a:r>
+              <a:rPr lang="en-US" sz="2000" dirty="0">
+                <a:latin typeface="Times New Roman"/>
+                <a:cs typeface="Times New Roman"/>
+              </a:rPr>
+              <a:t>Do a two sample 95% confidence hypothesis test to test if </a:t>
+            </a:r>
+            <a:r>
+              <a:rPr lang="en-US" sz="2000" dirty="0">
+                <a:latin typeface="Symbol" charset="2"/>
+                <a:cs typeface="Symbol" charset="2"/>
+              </a:rPr>
+              <a:t>: </a:t>
+            </a:r>
+            <a:r>
+              <a:rPr lang="en-US" sz="2000" dirty="0" err="1">
+                <a:latin typeface="Symbol" charset="2"/>
+                <a:cs typeface="Symbol" charset="2"/>
+              </a:rPr>
+              <a:t>m</a:t>
+            </a:r>
+            <a:r>
+              <a:rPr lang="en-US" sz="2000" baseline="-25000" dirty="0" err="1">
+                <a:latin typeface="Times New Roman"/>
+                <a:cs typeface="Times New Roman"/>
+              </a:rPr>
+              <a:t>RI</a:t>
+            </a:r>
+            <a:r>
+              <a:rPr lang="en-US" sz="2000" baseline="-25000" dirty="0">
+                <a:latin typeface="Times New Roman"/>
+                <a:cs typeface="Times New Roman"/>
+              </a:rPr>
+              <a:t> #1</a:t>
+            </a:r>
+            <a:r>
+              <a:rPr lang="en-US" sz="2000" dirty="0">
+                <a:latin typeface="Times New Roman"/>
+                <a:cs typeface="Times New Roman"/>
+              </a:rPr>
+              <a:t>  ≠ </a:t>
+            </a:r>
+            <a:r>
+              <a:rPr lang="en-US" sz="2000" dirty="0" err="1">
+                <a:latin typeface="Symbol" charset="2"/>
+                <a:cs typeface="Symbol" charset="2"/>
+              </a:rPr>
+              <a:t>m</a:t>
+            </a:r>
+            <a:r>
+              <a:rPr lang="en-US" sz="2000" baseline="-25000" dirty="0" err="1">
+                <a:latin typeface="Times New Roman"/>
+                <a:cs typeface="Times New Roman"/>
+              </a:rPr>
+              <a:t>RI</a:t>
+            </a:r>
+            <a:r>
+              <a:rPr lang="en-US" sz="2000" baseline="-25000" dirty="0">
+                <a:latin typeface="Times New Roman"/>
+                <a:cs typeface="Times New Roman"/>
+              </a:rPr>
+              <a:t> #2</a:t>
+            </a:r>
+            <a:r>
+              <a:rPr lang="en-US" sz="2000" dirty="0">
+                <a:latin typeface="Times New Roman"/>
+                <a:cs typeface="Times New Roman"/>
+              </a:rPr>
+              <a:t> (H</a:t>
+            </a:r>
+            <a:r>
+              <a:rPr lang="en-US" sz="2000" baseline="-25000" dirty="0">
+                <a:latin typeface="Times New Roman"/>
+                <a:cs typeface="Times New Roman"/>
+              </a:rPr>
+              <a:t>a</a:t>
+            </a:r>
+            <a:r>
+              <a:rPr lang="en-US" sz="2000" dirty="0">
+                <a:latin typeface="Times New Roman"/>
+                <a:cs typeface="Times New Roman"/>
+              </a:rPr>
+              <a:t>). </a:t>
+            </a:r>
+          </a:p>
+        </p:txBody>
+      </p:sp>
+      <p:sp>
+        <p:nvSpPr>
+          <p:cNvPr id="9" name="Rectangle 8"/>
+          <p:cNvSpPr/>
+          <p:nvPr/>
+        </p:nvSpPr>
+        <p:spPr>
+          <a:xfrm>
+            <a:off x="2" y="2625331"/>
+            <a:ext cx="9076327" cy="369332"/>
+          </a:xfrm>
+          <a:prstGeom prst="rect">
+            <a:avLst/>
+          </a:prstGeom>
+        </p:spPr>
+        <p:txBody>
+          <a:bodyPr wrap="square">
+            <a:spAutoFit/>
+          </a:bodyPr>
+          <a:lstStyle/>
+          <a:p>
+            <a:r>
+              <a:rPr lang="en-US" dirty="0">
+                <a:latin typeface="Times New Roman"/>
+                <a:cs typeface="Times New Roman"/>
+              </a:rPr>
+              <a:t>RIs # 2: 1.53577 1.53606 1.53602 1.53544 1.53618 1.53604 1.53551 1.53572 1.53580 1.53567</a:t>
+            </a:r>
+          </a:p>
+        </p:txBody>
+      </p:sp>
+    </p:spTree>
+    <p:extLst>
+      <p:ext uri="{BB962C8B-B14F-4D97-AF65-F5344CB8AC3E}">
+        <p14:creationId xmlns:p14="http://schemas.microsoft.com/office/powerpoint/2010/main" val="2992477747"/>
       </p:ext>
     </p:extLst>
   </p:cSld>
@@ -6660,8 +10352,8 @@
         </p:nvSpPr>
         <p:spPr bwMode="auto">
           <a:xfrm>
-            <a:off x="493577" y="2042157"/>
-            <a:ext cx="7790995" cy="3936277"/>
+            <a:off x="493577" y="1791637"/>
+            <a:ext cx="7790995" cy="4465323"/>
           </a:xfrm>
           <a:prstGeom prst="rect">
             <a:avLst/>
@@ -6744,7 +10436,7 @@
                 <a:latin typeface="Times New Roman"/>
                 <a:cs typeface="Times New Roman"/>
               </a:rPr>
-              <a:t>Basic probability calculations</a:t>
+              <a:t>Using built in distributions</a:t>
             </a:r>
           </a:p>
           <a:p>
@@ -6777,7 +10469,7 @@
                 <a:latin typeface="Times New Roman"/>
                 <a:cs typeface="Times New Roman"/>
               </a:rPr>
-              <a:t>Using built in distributions</a:t>
+              <a:t>Confidence intervals</a:t>
             </a:r>
           </a:p>
           <a:p>
@@ -6810,7 +10502,7 @@
                 <a:latin typeface="Times New Roman"/>
                 <a:cs typeface="Times New Roman"/>
               </a:rPr>
-              <a:t>Confidence intervals</a:t>
+              <a:t>Hypothesis testing</a:t>
             </a:r>
           </a:p>
           <a:p>
@@ -6843,7 +10535,40 @@
                 <a:latin typeface="Times New Roman"/>
                 <a:cs typeface="Times New Roman"/>
               </a:rPr>
-              <a:t>Hypothesis testing</a:t>
+              <a:t>Regression</a:t>
+            </a:r>
+          </a:p>
+          <a:p>
+            <a:pPr marL="887413" lvl="1" indent="-323850">
+              <a:spcBef>
+                <a:spcPts val="800"/>
+              </a:spcBef>
+              <a:buFont typeface="Times New Roman" charset="0"/>
+              <a:buChar char="•"/>
+              <a:tabLst>
+                <a:tab pos="430213" algn="l"/>
+                <a:tab pos="1344613" algn="l"/>
+                <a:tab pos="2259013" algn="l"/>
+                <a:tab pos="3173413" algn="l"/>
+                <a:tab pos="4087813" algn="l"/>
+                <a:tab pos="5002213" algn="l"/>
+                <a:tab pos="5916613" algn="l"/>
+                <a:tab pos="6831013" algn="l"/>
+                <a:tab pos="7745413" algn="l"/>
+                <a:tab pos="8659813" algn="l"/>
+                <a:tab pos="9574213" algn="l"/>
+                <a:tab pos="10488613" algn="l"/>
+              </a:tabLst>
+            </a:pPr>
+            <a:r>
+              <a:rPr lang="en-GB" sz="3600" dirty="0">
+                <a:solidFill>
+                  <a:srgbClr val="000000"/>
+                </a:solidFill>
+                <a:latin typeface="Times New Roman"/>
+                <a:cs typeface="Times New Roman"/>
+              </a:rPr>
+              <a:t>Analysis of Variance</a:t>
             </a:r>
           </a:p>
         </p:txBody>
@@ -6890,6 +10615,781 @@
     <p:extLst>
       <p:ext uri="{BB962C8B-B14F-4D97-AF65-F5344CB8AC3E}">
         <p14:creationId xmlns:p14="http://schemas.microsoft.com/office/powerpoint/2010/main" val="1087384866"/>
+      </p:ext>
+    </p:extLst>
+  </p:cSld>
+  <p:clrMapOvr>
+    <a:masterClrMapping/>
+  </p:clrMapOvr>
+</p:sld>
+</file>
+
+<file path=ppt/slides/slide20.xml><?xml version="1.0" encoding="utf-8"?>
+<p:sld xmlns:a="http://schemas.openxmlformats.org/drawingml/2006/main" xmlns:r="http://schemas.openxmlformats.org/officeDocument/2006/relationships" xmlns:p="http://schemas.openxmlformats.org/presentationml/2006/main">
+  <p:cSld>
+    <p:spTree>
+      <p:nvGrpSpPr>
+        <p:cNvPr id="1" name=""/>
+        <p:cNvGrpSpPr/>
+        <p:nvPr/>
+      </p:nvGrpSpPr>
+      <p:grpSpPr>
+        <a:xfrm>
+          <a:off x="0" y="0"/>
+          <a:ext cx="0" cy="0"/>
+          <a:chOff x="0" y="0"/>
+          <a:chExt cx="0" cy="0"/>
+        </a:xfrm>
+      </p:grpSpPr>
+      <p:sp>
+        <p:nvSpPr>
+          <p:cNvPr id="6" name="Rectangle 4"/>
+          <p:cNvSpPr>
+            <a:spLocks noChangeArrowheads="1"/>
+          </p:cNvSpPr>
+          <p:nvPr/>
+        </p:nvSpPr>
+        <p:spPr bwMode="auto">
+          <a:xfrm>
+            <a:off x="713039" y="401768"/>
+            <a:ext cx="7562014" cy="762000"/>
+          </a:xfrm>
+          <a:prstGeom prst="rect">
+            <a:avLst/>
+          </a:prstGeom>
+          <a:noFill/>
+          <a:ln w="9525">
+            <a:noFill/>
+            <a:round/>
+            <a:headEnd/>
+            <a:tailEnd/>
+          </a:ln>
+        </p:spPr>
+        <p:txBody>
+          <a:bodyPr lIns="0" tIns="0" rIns="0" bIns="0" anchor="ctr"/>
+          <a:lstStyle/>
+          <a:p>
+            <a:pPr algn="ctr">
+              <a:tabLst>
+                <a:tab pos="0" algn="l"/>
+                <a:tab pos="914400" algn="l"/>
+                <a:tab pos="1828800" algn="l"/>
+                <a:tab pos="2743200" algn="l"/>
+                <a:tab pos="3657600" algn="l"/>
+                <a:tab pos="4572000" algn="l"/>
+                <a:tab pos="5486400" algn="l"/>
+                <a:tab pos="6400800" algn="l"/>
+                <a:tab pos="7315200" algn="l"/>
+                <a:tab pos="8229600" algn="l"/>
+                <a:tab pos="9144000" algn="l"/>
+                <a:tab pos="10058400" algn="l"/>
+              </a:tabLst>
+            </a:pPr>
+            <a:r>
+              <a:rPr lang="en-GB" sz="2800" dirty="0">
+                <a:solidFill>
+                  <a:srgbClr val="000000"/>
+                </a:solidFill>
+                <a:latin typeface="Times New Roman" pitchFamily="18" charset="0"/>
+              </a:rPr>
+              <a:t>Example: Two Sample Hypothesis Testing for equivalence of  Means</a:t>
+            </a:r>
+          </a:p>
+        </p:txBody>
+      </p:sp>
+      <p:pic>
+        <p:nvPicPr>
+          <p:cNvPr id="7" name="Picture 6"/>
+          <p:cNvPicPr>
+            <a:picLocks noChangeAspect="1" noChangeArrowheads="1"/>
+          </p:cNvPicPr>
+          <p:nvPr/>
+        </p:nvPicPr>
+        <p:blipFill>
+          <a:blip r:embed="rId2" cstate="print"/>
+          <a:srcRect/>
+          <a:stretch>
+            <a:fillRect/>
+          </a:stretch>
+        </p:blipFill>
+        <p:spPr bwMode="auto">
+          <a:xfrm>
+            <a:off x="484188" y="76200"/>
+            <a:ext cx="8202612" cy="239712"/>
+          </a:xfrm>
+          <a:prstGeom prst="rect">
+            <a:avLst/>
+          </a:prstGeom>
+          <a:noFill/>
+          <a:ln w="9525">
+            <a:noFill/>
+            <a:round/>
+            <a:headEnd/>
+            <a:tailEnd/>
+          </a:ln>
+        </p:spPr>
+      </p:pic>
+      <p:sp>
+        <p:nvSpPr>
+          <p:cNvPr id="8" name="Rectangle 7"/>
+          <p:cNvSpPr/>
+          <p:nvPr/>
+        </p:nvSpPr>
+        <p:spPr>
+          <a:xfrm>
+            <a:off x="93578" y="1718195"/>
+            <a:ext cx="8996949" cy="3647152"/>
+          </a:xfrm>
+          <a:prstGeom prst="rect">
+            <a:avLst/>
+          </a:prstGeom>
+          <a:solidFill>
+            <a:srgbClr val="000C78"/>
+          </a:solidFill>
+        </p:spPr>
+        <p:txBody>
+          <a:bodyPr wrap="square">
+            <a:spAutoFit/>
+          </a:bodyPr>
+          <a:lstStyle/>
+          <a:p>
+            <a:r>
+              <a:rPr lang="en-US" sz="1100" dirty="0">
+                <a:solidFill>
+                  <a:srgbClr val="FF0000"/>
+                </a:solidFill>
+                <a:latin typeface="Courier"/>
+                <a:cs typeface="Courier"/>
+              </a:rPr>
+              <a:t># Question of interest: Could the two sets of glass shards be from the same window ? </a:t>
+            </a:r>
+          </a:p>
+          <a:p>
+            <a:endParaRPr lang="en-US" sz="1100" dirty="0">
+              <a:solidFill>
+                <a:srgbClr val="FF0000"/>
+              </a:solidFill>
+              <a:latin typeface="Courier"/>
+              <a:cs typeface="Courier"/>
+            </a:endParaRPr>
+          </a:p>
+          <a:p>
+            <a:r>
+              <a:rPr lang="en-US" sz="1100" dirty="0">
+                <a:solidFill>
+                  <a:srgbClr val="FF0000"/>
+                </a:solidFill>
+                <a:latin typeface="Courier"/>
+                <a:cs typeface="Courier"/>
+              </a:rPr>
+              <a:t># NULL HYPOTHESIS:</a:t>
+            </a:r>
+            <a:r>
+              <a:rPr lang="en-US" sz="1100" dirty="0">
+                <a:solidFill>
+                  <a:schemeClr val="bg1"/>
+                </a:solidFill>
+                <a:latin typeface="Courier"/>
+                <a:cs typeface="Courier"/>
+              </a:rPr>
+              <a:t>        </a:t>
+            </a:r>
+            <a:r>
+              <a:rPr lang="en-US" sz="1100" dirty="0">
+                <a:solidFill>
+                  <a:srgbClr val="FFFF00"/>
+                </a:solidFill>
+                <a:latin typeface="Courier"/>
+                <a:cs typeface="Courier"/>
+              </a:rPr>
+              <a:t>RI1 == RI2</a:t>
+            </a:r>
+          </a:p>
+          <a:p>
+            <a:r>
+              <a:rPr lang="en-US" sz="1100" dirty="0">
+                <a:solidFill>
+                  <a:srgbClr val="FF0000"/>
+                </a:solidFill>
+                <a:latin typeface="Courier"/>
+                <a:cs typeface="Courier"/>
+              </a:rPr>
+              <a:t># ALTERNATIVE HYPOTHESIS:</a:t>
+            </a:r>
+            <a:r>
+              <a:rPr lang="en-US" sz="1100" dirty="0">
+                <a:solidFill>
+                  <a:schemeClr val="bg1"/>
+                </a:solidFill>
+                <a:latin typeface="Courier"/>
+                <a:cs typeface="Courier"/>
+              </a:rPr>
+              <a:t> </a:t>
+            </a:r>
+            <a:r>
+              <a:rPr lang="en-US" sz="1100" dirty="0">
+                <a:solidFill>
+                  <a:srgbClr val="FFFF00"/>
+                </a:solidFill>
+                <a:latin typeface="Courier"/>
+                <a:cs typeface="Courier"/>
+              </a:rPr>
+              <a:t>RI1 != RI2</a:t>
+            </a:r>
+            <a:endParaRPr lang="en-US" sz="1100" dirty="0">
+              <a:solidFill>
+                <a:schemeClr val="bg1"/>
+              </a:solidFill>
+              <a:latin typeface="Courier"/>
+              <a:cs typeface="Courier"/>
+            </a:endParaRPr>
+          </a:p>
+          <a:p>
+            <a:endParaRPr lang="en-US" sz="1100" dirty="0">
+              <a:solidFill>
+                <a:schemeClr val="bg1"/>
+              </a:solidFill>
+              <a:latin typeface="Courier"/>
+              <a:cs typeface="Courier"/>
+            </a:endParaRPr>
+          </a:p>
+          <a:p>
+            <a:r>
+              <a:rPr lang="en-US" sz="1100" dirty="0">
+                <a:solidFill>
+                  <a:srgbClr val="FFFF00"/>
+                </a:solidFill>
+                <a:latin typeface="Courier"/>
+                <a:cs typeface="Courier"/>
+              </a:rPr>
+              <a:t># RIs of shards from glass pane 1</a:t>
+            </a:r>
+          </a:p>
+          <a:p>
+            <a:r>
+              <a:rPr lang="en-US" sz="1100" dirty="0">
+                <a:solidFill>
+                  <a:schemeClr val="bg1"/>
+                </a:solidFill>
+                <a:latin typeface="Courier"/>
+                <a:cs typeface="Courier"/>
+              </a:rPr>
+              <a:t>RI1 &lt;- c(1.53419, 1.53275, 1.53345, 1.53267, 1.53292, 1.53332, 1.53464, 1.53299, 1.53430, 1.53550)</a:t>
+            </a:r>
+          </a:p>
+          <a:p>
+            <a:endParaRPr lang="en-US" sz="1100" dirty="0">
+              <a:solidFill>
+                <a:schemeClr val="bg1"/>
+              </a:solidFill>
+              <a:latin typeface="Courier"/>
+              <a:cs typeface="Courier"/>
+            </a:endParaRPr>
+          </a:p>
+          <a:p>
+            <a:r>
+              <a:rPr lang="en-US" sz="1100" dirty="0">
+                <a:solidFill>
+                  <a:srgbClr val="FFFF00"/>
+                </a:solidFill>
+                <a:latin typeface="Courier"/>
+                <a:cs typeface="Courier"/>
+              </a:rPr>
+              <a:t># RIs of shards from glass pane 2</a:t>
+            </a:r>
+          </a:p>
+          <a:p>
+            <a:r>
+              <a:rPr lang="en-US" sz="1100" dirty="0">
+                <a:solidFill>
+                  <a:schemeClr val="bg1"/>
+                </a:solidFill>
+                <a:latin typeface="Courier"/>
+                <a:cs typeface="Courier"/>
+              </a:rPr>
+              <a:t>RI2 &lt;- c(1.53577, 1.53606, 1.53602, 1.53544, 1.53618, 1.53604, 1.53551, 1.53572, 1.53580, 1.53567)</a:t>
+            </a:r>
+          </a:p>
+          <a:p>
+            <a:endParaRPr lang="en-US" sz="1100" dirty="0">
+              <a:solidFill>
+                <a:schemeClr val="bg1"/>
+              </a:solidFill>
+              <a:latin typeface="Courier"/>
+              <a:cs typeface="Courier"/>
+            </a:endParaRPr>
+          </a:p>
+          <a:p>
+            <a:r>
+              <a:rPr lang="en-US" sz="1100" dirty="0">
+                <a:solidFill>
+                  <a:srgbClr val="FFFF00"/>
+                </a:solidFill>
+                <a:latin typeface="Courier"/>
+                <a:cs typeface="Courier"/>
+              </a:rPr>
+              <a:t># It helps to look at a box-and-whiskers plot for two-sample tests:</a:t>
+            </a:r>
+          </a:p>
+          <a:p>
+            <a:r>
+              <a:rPr lang="en-US" sz="1100" dirty="0">
+                <a:solidFill>
+                  <a:schemeClr val="bg1"/>
+                </a:solidFill>
+                <a:latin typeface="Courier"/>
+                <a:cs typeface="Courier"/>
+              </a:rPr>
+              <a:t>boxplot(RI1, RI2)</a:t>
+            </a:r>
+          </a:p>
+          <a:p>
+            <a:endParaRPr lang="en-US" sz="1100" dirty="0">
+              <a:solidFill>
+                <a:schemeClr val="bg1"/>
+              </a:solidFill>
+              <a:latin typeface="Courier"/>
+              <a:cs typeface="Courier"/>
+            </a:endParaRPr>
+          </a:p>
+          <a:p>
+            <a:r>
+              <a:rPr lang="en-US" sz="1100" dirty="0">
+                <a:solidFill>
+                  <a:srgbClr val="FFFF00"/>
+                </a:solidFill>
+                <a:latin typeface="Courier"/>
+                <a:cs typeface="Courier"/>
+              </a:rPr>
+              <a:t># *Check to see if (H0) variances of the two samples equal = 1 (i.e. evidence that </a:t>
+            </a:r>
+            <a:r>
+              <a:rPr lang="en-US" sz="1100" dirty="0" err="1">
+                <a:solidFill>
+                  <a:srgbClr val="FFFF00"/>
+                </a:solidFill>
+                <a:latin typeface="Courier"/>
+                <a:cs typeface="Courier"/>
+              </a:rPr>
+              <a:t>vars</a:t>
+            </a:r>
+            <a:r>
+              <a:rPr lang="en-US" sz="1100" dirty="0">
+                <a:solidFill>
+                  <a:srgbClr val="FFFF00"/>
+                </a:solidFill>
+                <a:latin typeface="Courier"/>
+                <a:cs typeface="Courier"/>
+              </a:rPr>
+              <a:t> are not equal??):</a:t>
+            </a:r>
+          </a:p>
+          <a:p>
+            <a:r>
+              <a:rPr lang="en-US" sz="1100" dirty="0" err="1">
+                <a:solidFill>
+                  <a:schemeClr val="bg1"/>
+                </a:solidFill>
+                <a:latin typeface="Courier"/>
+                <a:cs typeface="Courier"/>
+              </a:rPr>
+              <a:t>var.test</a:t>
+            </a:r>
+            <a:r>
+              <a:rPr lang="en-US" sz="1100" dirty="0">
+                <a:solidFill>
+                  <a:schemeClr val="bg1"/>
+                </a:solidFill>
+                <a:latin typeface="Courier"/>
+                <a:cs typeface="Courier"/>
+              </a:rPr>
+              <a:t>(RI1, RI2)</a:t>
+            </a:r>
+          </a:p>
+          <a:p>
+            <a:endParaRPr lang="en-US" sz="1100" dirty="0">
+              <a:solidFill>
+                <a:schemeClr val="bg1"/>
+              </a:solidFill>
+              <a:latin typeface="Courier"/>
+              <a:cs typeface="Courier"/>
+            </a:endParaRPr>
+          </a:p>
+          <a:p>
+            <a:r>
+              <a:rPr lang="en-US" sz="1100" dirty="0">
+                <a:solidFill>
+                  <a:srgbClr val="FFFF00"/>
+                </a:solidFill>
+                <a:latin typeface="Courier"/>
+                <a:cs typeface="Courier"/>
+              </a:rPr>
+              <a:t># Two sample two sided hypothesis test for equivalence between means:</a:t>
+            </a:r>
+          </a:p>
+          <a:p>
+            <a:r>
+              <a:rPr lang="en-US" sz="1100" dirty="0" err="1">
+                <a:solidFill>
+                  <a:schemeClr val="bg1"/>
+                </a:solidFill>
+                <a:latin typeface="Courier"/>
+                <a:cs typeface="Courier"/>
+              </a:rPr>
+              <a:t>t.test</a:t>
+            </a:r>
+            <a:r>
+              <a:rPr lang="en-US" sz="1100" dirty="0">
+                <a:solidFill>
+                  <a:schemeClr val="bg1"/>
+                </a:solidFill>
+                <a:latin typeface="Courier"/>
+                <a:cs typeface="Courier"/>
+              </a:rPr>
+              <a:t>(RI1, RI2, </a:t>
+            </a:r>
+            <a:r>
+              <a:rPr lang="en-US" sz="1100" dirty="0" err="1">
+                <a:solidFill>
+                  <a:schemeClr val="bg1"/>
+                </a:solidFill>
+                <a:latin typeface="Courier"/>
+                <a:cs typeface="Courier"/>
+              </a:rPr>
+              <a:t>var.equal</a:t>
+            </a:r>
+            <a:r>
+              <a:rPr lang="en-US" sz="1100" dirty="0">
+                <a:solidFill>
+                  <a:schemeClr val="bg1"/>
+                </a:solidFill>
+                <a:latin typeface="Courier"/>
+                <a:cs typeface="Courier"/>
+              </a:rPr>
+              <a:t> = </a:t>
+            </a:r>
+            <a:r>
+              <a:rPr lang="en-US" sz="1100" dirty="0">
+                <a:solidFill>
+                  <a:srgbClr val="FF0000"/>
+                </a:solidFill>
+                <a:latin typeface="Courier"/>
+                <a:cs typeface="Courier"/>
+              </a:rPr>
+              <a:t>FALSE</a:t>
+            </a:r>
+            <a:r>
+              <a:rPr lang="en-US" sz="1100" dirty="0">
+                <a:solidFill>
+                  <a:schemeClr val="bg1"/>
+                </a:solidFill>
+                <a:latin typeface="Courier"/>
+                <a:cs typeface="Courier"/>
+              </a:rPr>
+              <a:t>, alternative = </a:t>
+            </a:r>
+            <a:r>
+              <a:rPr lang="en-US" sz="1100" dirty="0">
+                <a:solidFill>
+                  <a:srgbClr val="00B050"/>
+                </a:solidFill>
+                <a:latin typeface="Courier"/>
+                <a:cs typeface="Courier"/>
+              </a:rPr>
+              <a:t>"</a:t>
+            </a:r>
+            <a:r>
+              <a:rPr lang="en-US" sz="1100" dirty="0" err="1">
+                <a:solidFill>
+                  <a:srgbClr val="00B050"/>
+                </a:solidFill>
+                <a:latin typeface="Courier"/>
+                <a:cs typeface="Courier"/>
+              </a:rPr>
+              <a:t>two.sided</a:t>
+            </a:r>
+            <a:r>
+              <a:rPr lang="en-US" sz="1100" dirty="0">
+                <a:solidFill>
+                  <a:srgbClr val="00B050"/>
+                </a:solidFill>
+                <a:latin typeface="Courier"/>
+                <a:cs typeface="Courier"/>
+              </a:rPr>
+              <a:t>"</a:t>
+            </a:r>
+            <a:r>
+              <a:rPr lang="en-US" sz="1100" dirty="0">
+                <a:solidFill>
+                  <a:schemeClr val="bg1"/>
+                </a:solidFill>
+                <a:latin typeface="Courier"/>
+                <a:cs typeface="Courier"/>
+              </a:rPr>
+              <a:t>, </a:t>
+            </a:r>
+            <a:r>
+              <a:rPr lang="en-US" sz="1100" dirty="0" err="1">
+                <a:solidFill>
+                  <a:schemeClr val="bg1"/>
+                </a:solidFill>
+                <a:latin typeface="Courier"/>
+                <a:cs typeface="Courier"/>
+              </a:rPr>
+              <a:t>conf.level</a:t>
+            </a:r>
+            <a:r>
+              <a:rPr lang="en-US" sz="1100" dirty="0">
+                <a:solidFill>
+                  <a:schemeClr val="bg1"/>
+                </a:solidFill>
+                <a:latin typeface="Courier"/>
+                <a:cs typeface="Courier"/>
+              </a:rPr>
+              <a:t> = 0.95)</a:t>
+            </a:r>
+          </a:p>
+          <a:p>
+            <a:endParaRPr lang="en-US" sz="1100" dirty="0">
+              <a:solidFill>
+                <a:schemeClr val="bg1"/>
+              </a:solidFill>
+              <a:latin typeface="Courier"/>
+              <a:cs typeface="Courier"/>
+            </a:endParaRPr>
+          </a:p>
+        </p:txBody>
+      </p:sp>
+      <p:sp>
+        <p:nvSpPr>
+          <p:cNvPr id="11" name="Rectangle 10"/>
+          <p:cNvSpPr/>
+          <p:nvPr/>
+        </p:nvSpPr>
+        <p:spPr>
+          <a:xfrm>
+            <a:off x="3436934" y="5934699"/>
+            <a:ext cx="1808458" cy="369332"/>
+          </a:xfrm>
+          <a:prstGeom prst="rect">
+            <a:avLst/>
+          </a:prstGeom>
+        </p:spPr>
+        <p:txBody>
+          <a:bodyPr wrap="none">
+            <a:spAutoFit/>
+          </a:bodyPr>
+          <a:lstStyle/>
+          <a:p>
+            <a:r>
+              <a:rPr lang="en-US" dirty="0">
+                <a:latin typeface="Symbol" charset="2"/>
+                <a:cs typeface="Symbol" charset="2"/>
+              </a:rPr>
+              <a:t>H</a:t>
+            </a:r>
+            <a:r>
+              <a:rPr lang="en-US" baseline="-25000" dirty="0">
+                <a:latin typeface="Symbol" charset="2"/>
+                <a:cs typeface="Symbol" charset="2"/>
+              </a:rPr>
+              <a:t>0</a:t>
+            </a:r>
+            <a:r>
+              <a:rPr lang="en-US" dirty="0">
+                <a:latin typeface="Symbol" charset="2"/>
+                <a:cs typeface="Symbol" charset="2"/>
+              </a:rPr>
+              <a:t>: </a:t>
+            </a:r>
+            <a:r>
+              <a:rPr lang="en-US" dirty="0" err="1">
+                <a:latin typeface="Symbol" charset="2"/>
+                <a:cs typeface="Symbol" charset="2"/>
+              </a:rPr>
+              <a:t>m</a:t>
+            </a:r>
+            <a:r>
+              <a:rPr lang="en-US" baseline="-25000" dirty="0" err="1">
+                <a:latin typeface="Times New Roman"/>
+                <a:cs typeface="Times New Roman"/>
+              </a:rPr>
+              <a:t>RI</a:t>
+            </a:r>
+            <a:r>
+              <a:rPr lang="en-US" baseline="-25000" dirty="0">
+                <a:latin typeface="Times New Roman"/>
+                <a:cs typeface="Times New Roman"/>
+              </a:rPr>
+              <a:t> #1</a:t>
+            </a:r>
+            <a:r>
+              <a:rPr lang="en-US" dirty="0">
+                <a:latin typeface="Times New Roman"/>
+                <a:cs typeface="Times New Roman"/>
+              </a:rPr>
+              <a:t>  = </a:t>
+            </a:r>
+            <a:r>
+              <a:rPr lang="en-US" dirty="0" err="1">
+                <a:latin typeface="Symbol" charset="2"/>
+                <a:cs typeface="Symbol" charset="2"/>
+              </a:rPr>
+              <a:t>m</a:t>
+            </a:r>
+            <a:r>
+              <a:rPr lang="en-US" baseline="-25000" dirty="0" err="1">
+                <a:latin typeface="Times New Roman"/>
+                <a:cs typeface="Times New Roman"/>
+              </a:rPr>
+              <a:t>RI</a:t>
+            </a:r>
+            <a:r>
+              <a:rPr lang="en-US" baseline="-25000" dirty="0">
+                <a:latin typeface="Times New Roman"/>
+                <a:cs typeface="Times New Roman"/>
+              </a:rPr>
+              <a:t> #2</a:t>
+            </a:r>
+            <a:endParaRPr lang="en-US" dirty="0"/>
+          </a:p>
+        </p:txBody>
+      </p:sp>
+      <p:sp>
+        <p:nvSpPr>
+          <p:cNvPr id="12" name="Rectangle 11"/>
+          <p:cNvSpPr/>
+          <p:nvPr/>
+        </p:nvSpPr>
+        <p:spPr>
+          <a:xfrm>
+            <a:off x="3471689" y="6339900"/>
+            <a:ext cx="1828596" cy="369332"/>
+          </a:xfrm>
+          <a:prstGeom prst="rect">
+            <a:avLst/>
+          </a:prstGeom>
+        </p:spPr>
+        <p:txBody>
+          <a:bodyPr wrap="none">
+            <a:spAutoFit/>
+          </a:bodyPr>
+          <a:lstStyle/>
+          <a:p>
+            <a:r>
+              <a:rPr lang="en-US" dirty="0">
+                <a:latin typeface="Symbol" charset="2"/>
+                <a:cs typeface="Symbol" charset="2"/>
+              </a:rPr>
+              <a:t>H</a:t>
+            </a:r>
+            <a:r>
+              <a:rPr lang="en-US" baseline="-25000" dirty="0">
+                <a:latin typeface="Times New Roman"/>
+                <a:cs typeface="Times New Roman"/>
+              </a:rPr>
+              <a:t>a</a:t>
+            </a:r>
+            <a:r>
+              <a:rPr lang="en-US" dirty="0">
+                <a:latin typeface="Symbol" charset="2"/>
+                <a:cs typeface="Symbol" charset="2"/>
+              </a:rPr>
+              <a:t>: </a:t>
+            </a:r>
+            <a:r>
+              <a:rPr lang="en-US" dirty="0" err="1">
+                <a:latin typeface="Symbol" charset="2"/>
+                <a:cs typeface="Symbol" charset="2"/>
+              </a:rPr>
+              <a:t>m</a:t>
+            </a:r>
+            <a:r>
+              <a:rPr lang="en-US" baseline="-25000" dirty="0" err="1">
+                <a:latin typeface="Times New Roman"/>
+                <a:cs typeface="Times New Roman"/>
+              </a:rPr>
+              <a:t>RI</a:t>
+            </a:r>
+            <a:r>
+              <a:rPr lang="en-US" baseline="-25000" dirty="0">
+                <a:latin typeface="Times New Roman"/>
+                <a:cs typeface="Times New Roman"/>
+              </a:rPr>
+              <a:t> #1</a:t>
+            </a:r>
+            <a:r>
+              <a:rPr lang="en-US" dirty="0">
+                <a:latin typeface="Times New Roman"/>
+                <a:cs typeface="Times New Roman"/>
+              </a:rPr>
+              <a:t>  ≠ </a:t>
+            </a:r>
+            <a:r>
+              <a:rPr lang="en-US" dirty="0" err="1">
+                <a:latin typeface="Symbol" charset="2"/>
+                <a:cs typeface="Symbol" charset="2"/>
+              </a:rPr>
+              <a:t>m</a:t>
+            </a:r>
+            <a:r>
+              <a:rPr lang="en-US" baseline="-25000" dirty="0" err="1">
+                <a:latin typeface="Times New Roman"/>
+                <a:cs typeface="Times New Roman"/>
+              </a:rPr>
+              <a:t>RI</a:t>
+            </a:r>
+            <a:r>
+              <a:rPr lang="en-US" baseline="-25000" dirty="0">
+                <a:latin typeface="Times New Roman"/>
+                <a:cs typeface="Times New Roman"/>
+              </a:rPr>
+              <a:t> #2</a:t>
+            </a:r>
+            <a:endParaRPr lang="en-US" dirty="0"/>
+          </a:p>
+        </p:txBody>
+      </p:sp>
+    </p:spTree>
+    <p:extLst>
+      <p:ext uri="{BB962C8B-B14F-4D97-AF65-F5344CB8AC3E}">
+        <p14:creationId xmlns:p14="http://schemas.microsoft.com/office/powerpoint/2010/main" val="680419309"/>
+      </p:ext>
+    </p:extLst>
+  </p:cSld>
+  <p:clrMapOvr>
+    <a:masterClrMapping/>
+  </p:clrMapOvr>
+</p:sld>
+</file>
+
+<file path=ppt/slides/slide21.xml><?xml version="1.0" encoding="utf-8"?>
+<p:sld xmlns:a="http://schemas.openxmlformats.org/drawingml/2006/main" xmlns:r="http://schemas.openxmlformats.org/officeDocument/2006/relationships" xmlns:p="http://schemas.openxmlformats.org/presentationml/2006/main">
+  <p:cSld>
+    <p:spTree>
+      <p:nvGrpSpPr>
+        <p:cNvPr id="1" name="">
+          <a:extLst>
+            <a:ext uri="{FF2B5EF4-FFF2-40B4-BE49-F238E27FC236}">
+              <a16:creationId xmlns:a16="http://schemas.microsoft.com/office/drawing/2014/main" id="{DFD35416-ECCD-3D5B-3445-70EAE7530427}"/>
+            </a:ext>
+          </a:extLst>
+        </p:cNvPr>
+        <p:cNvGrpSpPr/>
+        <p:nvPr/>
+      </p:nvGrpSpPr>
+      <p:grpSpPr>
+        <a:xfrm>
+          <a:off x="0" y="0"/>
+          <a:ext cx="0" cy="0"/>
+          <a:chOff x="0" y="0"/>
+          <a:chExt cx="0" cy="0"/>
+        </a:xfrm>
+      </p:grpSpPr>
+    </p:spTree>
+    <p:extLst>
+      <p:ext uri="{BB962C8B-B14F-4D97-AF65-F5344CB8AC3E}">
+        <p14:creationId xmlns:p14="http://schemas.microsoft.com/office/powerpoint/2010/main" val="3483385224"/>
       </p:ext>
     </p:extLst>
   </p:cSld>
@@ -14952,4 +19452,319 @@
     </a:ext>
   </a:extLst>
 </a:theme>
+</file>
+
+<file path=ppt/theme/theme2.xml><?xml version="1.0" encoding="utf-8"?>
+<a:theme xmlns:a="http://schemas.openxmlformats.org/drawingml/2006/main" name="Office Theme">
+  <a:themeElements>
+    <a:clrScheme name="Office">
+      <a:dk1>
+        <a:sysClr val="windowText" lastClr="000000"/>
+      </a:dk1>
+      <a:lt1>
+        <a:sysClr val="window" lastClr="FFFFFF"/>
+      </a:lt1>
+      <a:dk2>
+        <a:srgbClr val="0E2841"/>
+      </a:dk2>
+      <a:lt2>
+        <a:srgbClr val="E8E8E8"/>
+      </a:lt2>
+      <a:accent1>
+        <a:srgbClr val="156082"/>
+      </a:accent1>
+      <a:accent2>
+        <a:srgbClr val="E97132"/>
+      </a:accent2>
+      <a:accent3>
+        <a:srgbClr val="196B24"/>
+      </a:accent3>
+      <a:accent4>
+        <a:srgbClr val="0F9ED5"/>
+      </a:accent4>
+      <a:accent5>
+        <a:srgbClr val="A02B93"/>
+      </a:accent5>
+      <a:accent6>
+        <a:srgbClr val="4EA72E"/>
+      </a:accent6>
+      <a:hlink>
+        <a:srgbClr val="467886"/>
+      </a:hlink>
+      <a:folHlink>
+        <a:srgbClr val="96607D"/>
+      </a:folHlink>
+    </a:clrScheme>
+    <a:fontScheme name="Office">
+      <a:majorFont>
+        <a:latin typeface="Aptos Display" panose="02110004020202020204"/>
+        <a:ea typeface=""/>
+        <a:cs typeface=""/>
+        <a:font script="Jpan" typeface="游ゴシック Light"/>
+        <a:font script="Hang" typeface="맑은 고딕"/>
+        <a:font script="Hans" typeface="等线 Light"/>
+        <a:font script="Hant" typeface="新細明體"/>
+        <a:font script="Arab" typeface="Times New Roman"/>
+        <a:font script="Hebr" typeface="Times New Roman"/>
+        <a:font script="Thai" typeface="Angsana New"/>
+        <a:font script="Ethi" typeface="Nyala"/>
+        <a:font script="Beng" typeface="Vrinda"/>
+        <a:font script="Gujr" typeface="Shruti"/>
+        <a:font script="Khmr" typeface="MoolBoran"/>
+        <a:font script="Knda" typeface="Tunga"/>
+        <a:font script="Guru" typeface="Raavi"/>
+        <a:font script="Cans" typeface="Euphemia"/>
+        <a:font script="Cher" typeface="Plantagenet Cherokee"/>
+        <a:font script="Yiii" typeface="Microsoft Yi Baiti"/>
+        <a:font script="Tibt" typeface="Microsoft Himalaya"/>
+        <a:font script="Thaa" typeface="MV Boli"/>
+        <a:font script="Deva" typeface="Mangal"/>
+        <a:font script="Telu" typeface="Gautami"/>
+        <a:font script="Taml" typeface="Latha"/>
+        <a:font script="Syrc" typeface="Estrangelo Edessa"/>
+        <a:font script="Orya" typeface="Kalinga"/>
+        <a:font script="Mlym" typeface="Kartika"/>
+        <a:font script="Laoo" typeface="DokChampa"/>
+        <a:font script="Sinh" typeface="Iskoola Pota"/>
+        <a:font script="Mong" typeface="Mongolian Baiti"/>
+        <a:font script="Viet" typeface="Times New Roman"/>
+        <a:font script="Uigh" typeface="Microsoft Uighur"/>
+        <a:font script="Geor" typeface="Sylfaen"/>
+        <a:font script="Armn" typeface="Arial"/>
+        <a:font script="Bugi" typeface="Leelawadee UI"/>
+        <a:font script="Bopo" typeface="Microsoft JhengHei"/>
+        <a:font script="Java" typeface="Javanese Text"/>
+        <a:font script="Lisu" typeface="Segoe UI"/>
+        <a:font script="Mymr" typeface="Myanmar Text"/>
+        <a:font script="Nkoo" typeface="Ebrima"/>
+        <a:font script="Olck" typeface="Nirmala UI"/>
+        <a:font script="Osma" typeface="Ebrima"/>
+        <a:font script="Phag" typeface="Phagspa"/>
+        <a:font script="Syrn" typeface="Estrangelo Edessa"/>
+        <a:font script="Syrj" typeface="Estrangelo Edessa"/>
+        <a:font script="Syre" typeface="Estrangelo Edessa"/>
+        <a:font script="Sora" typeface="Nirmala UI"/>
+        <a:font script="Tale" typeface="Microsoft Tai Le"/>
+        <a:font script="Talu" typeface="Microsoft New Tai Lue"/>
+        <a:font script="Tfng" typeface="Ebrima"/>
+      </a:majorFont>
+      <a:minorFont>
+        <a:latin typeface="Aptos" panose="02110004020202020204"/>
+        <a:ea typeface=""/>
+        <a:cs typeface=""/>
+        <a:font script="Jpan" typeface="游ゴシック"/>
+        <a:font script="Hang" typeface="맑은 고딕"/>
+        <a:font script="Hans" typeface="等线"/>
+        <a:font script="Hant" typeface="新細明體"/>
+        <a:font script="Arab" typeface="Arial"/>
+        <a:font script="Hebr" typeface="Arial"/>
+        <a:font script="Thai" typeface="Cordia New"/>
+        <a:font script="Ethi" typeface="Nyala"/>
+        <a:font script="Beng" typeface="Vrinda"/>
+        <a:font script="Gujr" typeface="Shruti"/>
+        <a:font script="Khmr" typeface="DaunPenh"/>
+        <a:font script="Knda" typeface="Tunga"/>
+        <a:font script="Guru" typeface="Raavi"/>
+        <a:font script="Cans" typeface="Euphemia"/>
+        <a:font script="Cher" typeface="Plantagenet Cherokee"/>
+        <a:font script="Yiii" typeface="Microsoft Yi Baiti"/>
+        <a:font script="Tibt" typeface="Microsoft Himalaya"/>
+        <a:font script="Thaa" typeface="MV Boli"/>
+        <a:font script="Deva" typeface="Mangal"/>
+        <a:font script="Telu" typeface="Gautami"/>
+        <a:font script="Taml" typeface="Latha"/>
+        <a:font script="Syrc" typeface="Estrangelo Edessa"/>
+        <a:font script="Orya" typeface="Kalinga"/>
+        <a:font script="Mlym" typeface="Kartika"/>
+        <a:font script="Laoo" typeface="DokChampa"/>
+        <a:font script="Sinh" typeface="Iskoola Pota"/>
+        <a:font script="Mong" typeface="Mongolian Baiti"/>
+        <a:font script="Viet" typeface="Arial"/>
+        <a:font script="Uigh" typeface="Microsoft Uighur"/>
+        <a:font script="Geor" typeface="Sylfaen"/>
+        <a:font script="Armn" typeface="Arial"/>
+        <a:font script="Bugi" typeface="Leelawadee UI"/>
+        <a:font script="Bopo" typeface="Microsoft JhengHei"/>
+        <a:font script="Java" typeface="Javanese Text"/>
+        <a:font script="Lisu" typeface="Segoe UI"/>
+        <a:font script="Mymr" typeface="Myanmar Text"/>
+        <a:font script="Nkoo" typeface="Ebrima"/>
+        <a:font script="Olck" typeface="Nirmala UI"/>
+        <a:font script="Osma" typeface="Ebrima"/>
+        <a:font script="Phag" typeface="Phagspa"/>
+        <a:font script="Syrn" typeface="Estrangelo Edessa"/>
+        <a:font script="Syrj" typeface="Estrangelo Edessa"/>
+        <a:font script="Syre" typeface="Estrangelo Edessa"/>
+        <a:font script="Sora" typeface="Nirmala UI"/>
+        <a:font script="Tale" typeface="Microsoft Tai Le"/>
+        <a:font script="Talu" typeface="Microsoft New Tai Lue"/>
+        <a:font script="Tfng" typeface="Ebrima"/>
+      </a:minorFont>
+    </a:fontScheme>
+    <a:fmtScheme name="Office">
+      <a:fillStyleLst>
+        <a:solidFill>
+          <a:schemeClr val="phClr"/>
+        </a:solidFill>
+        <a:gradFill rotWithShape="1">
+          <a:gsLst>
+            <a:gs pos="0">
+              <a:schemeClr val="phClr">
+                <a:lumMod val="110000"/>
+                <a:satMod val="105000"/>
+                <a:tint val="67000"/>
+              </a:schemeClr>
+            </a:gs>
+            <a:gs pos="50000">
+              <a:schemeClr val="phClr">
+                <a:lumMod val="105000"/>
+                <a:satMod val="103000"/>
+                <a:tint val="73000"/>
+              </a:schemeClr>
+            </a:gs>
+            <a:gs pos="100000">
+              <a:schemeClr val="phClr">
+                <a:lumMod val="105000"/>
+                <a:satMod val="109000"/>
+                <a:tint val="81000"/>
+              </a:schemeClr>
+            </a:gs>
+          </a:gsLst>
+          <a:lin ang="5400000" scaled="0"/>
+        </a:gradFill>
+        <a:gradFill rotWithShape="1">
+          <a:gsLst>
+            <a:gs pos="0">
+              <a:schemeClr val="phClr">
+                <a:satMod val="103000"/>
+                <a:lumMod val="102000"/>
+                <a:tint val="94000"/>
+              </a:schemeClr>
+            </a:gs>
+            <a:gs pos="50000">
+              <a:schemeClr val="phClr">
+                <a:satMod val="110000"/>
+                <a:lumMod val="100000"/>
+                <a:shade val="100000"/>
+              </a:schemeClr>
+            </a:gs>
+            <a:gs pos="100000">
+              <a:schemeClr val="phClr">
+                <a:lumMod val="99000"/>
+                <a:satMod val="120000"/>
+                <a:shade val="78000"/>
+              </a:schemeClr>
+            </a:gs>
+          </a:gsLst>
+          <a:lin ang="5400000" scaled="0"/>
+        </a:gradFill>
+      </a:fillStyleLst>
+      <a:lnStyleLst>
+        <a:ln w="12700" cap="flat" cmpd="sng" algn="ctr">
+          <a:solidFill>
+            <a:schemeClr val="phClr"/>
+          </a:solidFill>
+          <a:prstDash val="solid"/>
+          <a:miter lim="800000"/>
+        </a:ln>
+        <a:ln w="19050" cap="flat" cmpd="sng" algn="ctr">
+          <a:solidFill>
+            <a:schemeClr val="phClr"/>
+          </a:solidFill>
+          <a:prstDash val="solid"/>
+          <a:miter lim="800000"/>
+        </a:ln>
+        <a:ln w="25400" cap="flat" cmpd="sng" algn="ctr">
+          <a:solidFill>
+            <a:schemeClr val="phClr"/>
+          </a:solidFill>
+          <a:prstDash val="solid"/>
+          <a:miter lim="800000"/>
+        </a:ln>
+      </a:lnStyleLst>
+      <a:effectStyleLst>
+        <a:effectStyle>
+          <a:effectLst/>
+        </a:effectStyle>
+        <a:effectStyle>
+          <a:effectLst/>
+        </a:effectStyle>
+        <a:effectStyle>
+          <a:effectLst>
+            <a:outerShdw blurRad="57150" dist="19050" dir="5400000" algn="ctr" rotWithShape="0">
+              <a:srgbClr val="000000">
+                <a:alpha val="63000"/>
+              </a:srgbClr>
+            </a:outerShdw>
+          </a:effectLst>
+        </a:effectStyle>
+      </a:effectStyleLst>
+      <a:bgFillStyleLst>
+        <a:solidFill>
+          <a:schemeClr val="phClr"/>
+        </a:solidFill>
+        <a:solidFill>
+          <a:schemeClr val="phClr">
+            <a:tint val="95000"/>
+            <a:satMod val="170000"/>
+          </a:schemeClr>
+        </a:solidFill>
+        <a:gradFill rotWithShape="1">
+          <a:gsLst>
+            <a:gs pos="0">
+              <a:schemeClr val="phClr">
+                <a:tint val="93000"/>
+                <a:satMod val="150000"/>
+                <a:shade val="98000"/>
+                <a:lumMod val="102000"/>
+              </a:schemeClr>
+            </a:gs>
+            <a:gs pos="50000">
+              <a:schemeClr val="phClr">
+                <a:tint val="98000"/>
+                <a:satMod val="130000"/>
+                <a:shade val="90000"/>
+                <a:lumMod val="103000"/>
+              </a:schemeClr>
+            </a:gs>
+            <a:gs pos="100000">
+              <a:schemeClr val="phClr">
+                <a:shade val="63000"/>
+                <a:satMod val="120000"/>
+              </a:schemeClr>
+            </a:gs>
+          </a:gsLst>
+          <a:lin ang="5400000" scaled="0"/>
+        </a:gradFill>
+      </a:bgFillStyleLst>
+    </a:fmtScheme>
+  </a:themeElements>
+  <a:objectDefaults>
+    <a:lnDef>
+      <a:spPr/>
+      <a:bodyPr/>
+      <a:lstStyle/>
+      <a:style>
+        <a:lnRef idx="2">
+          <a:schemeClr val="accent1"/>
+        </a:lnRef>
+        <a:fillRef idx="0">
+          <a:schemeClr val="accent1"/>
+        </a:fillRef>
+        <a:effectRef idx="1">
+          <a:schemeClr val="accent1"/>
+        </a:effectRef>
+        <a:fontRef idx="minor">
+          <a:schemeClr val="tx1"/>
+        </a:fontRef>
+      </a:style>
+    </a:lnDef>
+  </a:objectDefaults>
+  <a:extraClrSchemeLst/>
+  <a:extLst>
+    <a:ext uri="{05A4C25C-085E-4340-85A3-A5531E510DB2}">
+      <thm15:themeFamily xmlns:thm15="http://schemas.microsoft.com/office/thememl/2012/main" name="Office Theme" id="{2E142A2C-CD16-42D6-873A-C26D2A0506FA}" vid="{1BDDFF52-6CD6-40A5-AB3C-68EB2F1E4D0A}"/>
+    </a:ext>
+  </a:extLst>
+</a:theme>
 </file>